--- a/syllabus/18_framework_jQuery/syllabus_18_jQuery.pptx
+++ b/syllabus/18_framework_jQuery/syllabus_18_jQuery.pptx
@@ -2,7 +2,7 @@
 <file path=ppt/presentation.xml><?xml version="1.0" encoding="utf-8"?>
 <p:presentation xmlns:a="http://schemas.openxmlformats.org/drawingml/2006/main" xmlns:r="http://schemas.openxmlformats.org/officeDocument/2006/relationships" xmlns:p="http://schemas.openxmlformats.org/presentationml/2006/main" showSpecialPlsOnTitleSld="0" saveSubsetFonts="1">
   <p:sldMasterIdLst>
-    <p:sldMasterId id="2147483843" r:id="rId1"/>
+    <p:sldMasterId id="2147483856" r:id="rId1"/>
   </p:sldMasterIdLst>
   <p:notesMasterIdLst>
     <p:notesMasterId r:id="rId51"/>
@@ -344,7 +344,7 @@
           <a:p>
             <a:fld id="{FCE9742F-4DAE-47F5-9244-6ACC3985DD6B}" type="datetimeFigureOut">
               <a:rPr lang="fr-BE" smtClean="0"/>
-              <a:t>07-10-24</a:t>
+              <a:t>27-01-25</a:t>
             </a:fld>
             <a:endParaRPr lang="fr-BE"/>
           </a:p>
@@ -1049,7 +1049,12 @@
             <a:off x="1524000" y="1122363"/>
             <a:ext cx="9144000" cy="2387600"/>
           </a:xfrm>
-          <a:noFill/>
+          <a:solidFill>
+            <a:schemeClr val="accent3">
+              <a:lumMod val="40000"/>
+              <a:lumOff val="60000"/>
+            </a:schemeClr>
+          </a:solidFill>
         </p:spPr>
         <p:txBody>
           <a:bodyPr anchor="b">
@@ -1057,7 +1062,11 @@
           </a:bodyPr>
           <a:lstStyle>
             <a:lvl1pPr algn="ctr">
-              <a:defRPr lang="fr-BE"/>
+              <a:defRPr lang="fr-BE">
+                <a:solidFill>
+                  <a:schemeClr val="accent2"/>
+                </a:solidFill>
+              </a:defRPr>
             </a:lvl1pPr>
           </a:lstStyle>
           <a:p>
@@ -1138,10 +1147,93 @@
           </a:p>
         </p:txBody>
       </p:sp>
+      <p:sp>
+        <p:nvSpPr>
+          <p:cNvPr id="4" name="Espace réservé de la date 3">
+            <a:extLst>
+              <a:ext uri="{FF2B5EF4-FFF2-40B4-BE49-F238E27FC236}">
+                <a16:creationId xmlns:a16="http://schemas.microsoft.com/office/drawing/2014/main" id="{7F8EFA58-10A1-BAA7-B65E-A754A43B7544}"/>
+              </a:ext>
+            </a:extLst>
+          </p:cNvPr>
+          <p:cNvSpPr>
+            <a:spLocks noGrp="1"/>
+          </p:cNvSpPr>
+          <p:nvPr>
+            <p:ph type="dt" sz="half" idx="10"/>
+          </p:nvPr>
+        </p:nvSpPr>
+        <p:spPr/>
+        <p:txBody>
+          <a:bodyPr/>
+          <a:lstStyle/>
+          <a:p>
+            <a:fld id="{F3953782-D06E-4853-BE3C-64C197273937}" type="datetimeFigureOut">
+              <a:rPr lang="fr-BE" smtClean="0"/>
+              <a:t>27-01-25</a:t>
+            </a:fld>
+            <a:endParaRPr lang="fr-BE"/>
+          </a:p>
+        </p:txBody>
+      </p:sp>
+      <p:sp>
+        <p:nvSpPr>
+          <p:cNvPr id="5" name="Espace réservé du pied de page 4">
+            <a:extLst>
+              <a:ext uri="{FF2B5EF4-FFF2-40B4-BE49-F238E27FC236}">
+                <a16:creationId xmlns:a16="http://schemas.microsoft.com/office/drawing/2014/main" id="{314B8606-B65F-6EB2-899E-91B5C83E7578}"/>
+              </a:ext>
+            </a:extLst>
+          </p:cNvPr>
+          <p:cNvSpPr>
+            <a:spLocks noGrp="1"/>
+          </p:cNvSpPr>
+          <p:nvPr>
+            <p:ph type="ftr" sz="quarter" idx="11"/>
+          </p:nvPr>
+        </p:nvSpPr>
+        <p:spPr/>
+        <p:txBody>
+          <a:bodyPr/>
+          <a:lstStyle/>
+          <a:p>
+            <a:endParaRPr lang="fr-BE"/>
+          </a:p>
+        </p:txBody>
+      </p:sp>
+      <p:sp>
+        <p:nvSpPr>
+          <p:cNvPr id="6" name="Espace réservé du numéro de diapositive 5">
+            <a:extLst>
+              <a:ext uri="{FF2B5EF4-FFF2-40B4-BE49-F238E27FC236}">
+                <a16:creationId xmlns:a16="http://schemas.microsoft.com/office/drawing/2014/main" id="{CB2FA919-3ED3-80D3-E61B-53F97BE66BE0}"/>
+              </a:ext>
+            </a:extLst>
+          </p:cNvPr>
+          <p:cNvSpPr>
+            <a:spLocks noGrp="1"/>
+          </p:cNvSpPr>
+          <p:nvPr>
+            <p:ph type="sldNum" sz="quarter" idx="12"/>
+          </p:nvPr>
+        </p:nvSpPr>
+        <p:spPr/>
+        <p:txBody>
+          <a:bodyPr/>
+          <a:lstStyle/>
+          <a:p>
+            <a:fld id="{02C092ED-0E97-497E-99D9-BB9DD7276F53}" type="slidenum">
+              <a:rPr lang="fr-BE" smtClean="0"/>
+              <a:t>‹N°›</a:t>
+            </a:fld>
+            <a:endParaRPr lang="fr-BE"/>
+          </a:p>
+        </p:txBody>
+      </p:sp>
     </p:spTree>
     <p:extLst>
       <p:ext uri="{BB962C8B-B14F-4D97-AF65-F5344CB8AC3E}">
-        <p14:creationId xmlns:p14="http://schemas.microsoft.com/office/powerpoint/2010/main" val="3827274572"/>
+        <p14:creationId xmlns:p14="http://schemas.microsoft.com/office/powerpoint/2010/main" val="496792704"/>
       </p:ext>
     </p:extLst>
   </p:cSld>
@@ -1164,201 +1256,6 @@
 </file>
 
 <file path=ppt/slideLayouts/slideLayout10.xml><?xml version="1.0" encoding="utf-8"?>
-<p:sldLayout xmlns:a="http://schemas.openxmlformats.org/drawingml/2006/main" xmlns:r="http://schemas.openxmlformats.org/officeDocument/2006/relationships" xmlns:p="http://schemas.openxmlformats.org/presentationml/2006/main" type="secHead">
-  <p:cSld name="1_Titre de section">
-    <p:spTree>
-      <p:nvGrpSpPr>
-        <p:cNvPr id="1" name=""/>
-        <p:cNvGrpSpPr/>
-        <p:nvPr/>
-      </p:nvGrpSpPr>
-      <p:grpSpPr>
-        <a:xfrm>
-          <a:off x="0" y="0"/>
-          <a:ext cx="0" cy="0"/>
-          <a:chOff x="0" y="0"/>
-          <a:chExt cx="0" cy="0"/>
-        </a:xfrm>
-      </p:grpSpPr>
-      <p:sp>
-        <p:nvSpPr>
-          <p:cNvPr id="2" name="Title 1"/>
-          <p:cNvSpPr>
-            <a:spLocks noGrp="1"/>
-          </p:cNvSpPr>
-          <p:nvPr>
-            <p:ph type="title"/>
-          </p:nvPr>
-        </p:nvSpPr>
-        <p:spPr>
-          <a:xfrm>
-            <a:off x="831851" y="1709740"/>
-            <a:ext cx="10515600" cy="2852737"/>
-          </a:xfrm>
-        </p:spPr>
-        <p:txBody>
-          <a:bodyPr anchor="b">
-            <a:normAutofit/>
-          </a:bodyPr>
-          <a:lstStyle>
-            <a:lvl1pPr>
-              <a:defRPr sz="4400"/>
-            </a:lvl1pPr>
-          </a:lstStyle>
-          <a:p>
-            <a:r>
-              <a:rPr lang="fr-FR"/>
-              <a:t>Modifiez le style du titre</a:t>
-            </a:r>
-            <a:endParaRPr lang="fr-BE"/>
-          </a:p>
-        </p:txBody>
-      </p:sp>
-      <p:sp>
-        <p:nvSpPr>
-          <p:cNvPr id="3" name="Text Placeholder 2"/>
-          <p:cNvSpPr>
-            <a:spLocks noGrp="1"/>
-          </p:cNvSpPr>
-          <p:nvPr>
-            <p:ph type="body" idx="1"/>
-          </p:nvPr>
-        </p:nvSpPr>
-        <p:spPr>
-          <a:xfrm>
-            <a:off x="831851" y="4589464"/>
-            <a:ext cx="10515600" cy="1500187"/>
-          </a:xfrm>
-        </p:spPr>
-        <p:txBody>
-          <a:bodyPr/>
-          <a:lstStyle>
-            <a:lvl1pPr marL="0" indent="0">
-              <a:buNone/>
-              <a:defRPr sz="2400">
-                <a:solidFill>
-                  <a:schemeClr val="tx1">
-                    <a:tint val="75000"/>
-                  </a:schemeClr>
-                </a:solidFill>
-              </a:defRPr>
-            </a:lvl1pPr>
-            <a:lvl2pPr marL="457189" indent="0">
-              <a:buNone/>
-              <a:defRPr sz="2000">
-                <a:solidFill>
-                  <a:schemeClr val="tx1">
-                    <a:tint val="75000"/>
-                  </a:schemeClr>
-                </a:solidFill>
-              </a:defRPr>
-            </a:lvl2pPr>
-            <a:lvl3pPr marL="914377" indent="0">
-              <a:buNone/>
-              <a:defRPr sz="1800">
-                <a:solidFill>
-                  <a:schemeClr val="tx1">
-                    <a:tint val="75000"/>
-                  </a:schemeClr>
-                </a:solidFill>
-              </a:defRPr>
-            </a:lvl3pPr>
-            <a:lvl4pPr marL="1371566" indent="0">
-              <a:buNone/>
-              <a:defRPr sz="1600">
-                <a:solidFill>
-                  <a:schemeClr val="tx1">
-                    <a:tint val="75000"/>
-                  </a:schemeClr>
-                </a:solidFill>
-              </a:defRPr>
-            </a:lvl4pPr>
-            <a:lvl5pPr marL="1828754" indent="0">
-              <a:buNone/>
-              <a:defRPr sz="1600">
-                <a:solidFill>
-                  <a:schemeClr val="tx1">
-                    <a:tint val="75000"/>
-                  </a:schemeClr>
-                </a:solidFill>
-              </a:defRPr>
-            </a:lvl5pPr>
-            <a:lvl6pPr marL="2285943" indent="0">
-              <a:buNone/>
-              <a:defRPr sz="1600">
-                <a:solidFill>
-                  <a:schemeClr val="tx1">
-                    <a:tint val="75000"/>
-                  </a:schemeClr>
-                </a:solidFill>
-              </a:defRPr>
-            </a:lvl6pPr>
-            <a:lvl7pPr marL="2743131" indent="0">
-              <a:buNone/>
-              <a:defRPr sz="1600">
-                <a:solidFill>
-                  <a:schemeClr val="tx1">
-                    <a:tint val="75000"/>
-                  </a:schemeClr>
-                </a:solidFill>
-              </a:defRPr>
-            </a:lvl7pPr>
-            <a:lvl8pPr marL="3200320" indent="0">
-              <a:buNone/>
-              <a:defRPr sz="1600">
-                <a:solidFill>
-                  <a:schemeClr val="tx1">
-                    <a:tint val="75000"/>
-                  </a:schemeClr>
-                </a:solidFill>
-              </a:defRPr>
-            </a:lvl8pPr>
-            <a:lvl9pPr marL="3657509" indent="0">
-              <a:buNone/>
-              <a:defRPr sz="1600">
-                <a:solidFill>
-                  <a:schemeClr val="tx1">
-                    <a:tint val="75000"/>
-                  </a:schemeClr>
-                </a:solidFill>
-              </a:defRPr>
-            </a:lvl9pPr>
-          </a:lstStyle>
-          <a:p>
-            <a:pPr lvl="0"/>
-            <a:r>
-              <a:rPr lang="fr-FR"/>
-              <a:t>Cliquez pour modifier les styles du texte du masque</a:t>
-            </a:r>
-          </a:p>
-        </p:txBody>
-      </p:sp>
-    </p:spTree>
-    <p:extLst>
-      <p:ext uri="{BB962C8B-B14F-4D97-AF65-F5344CB8AC3E}">
-        <p14:creationId xmlns:p14="http://schemas.microsoft.com/office/powerpoint/2010/main" val="738867712"/>
-      </p:ext>
-    </p:extLst>
-  </p:cSld>
-  <p:clrMapOvr>
-    <a:masterClrMapping/>
-  </p:clrMapOvr>
-  <mc:AlternateContent xmlns:mc="http://schemas.openxmlformats.org/markup-compatibility/2006" xmlns:p14="http://schemas.microsoft.com/office/powerpoint/2010/main">
-    <mc:Choice Requires="p14">
-      <p:transition spd="slow">
-        <p14:reveal/>
-      </p:transition>
-    </mc:Choice>
-    <mc:Fallback xmlns="">
-      <p:transition spd="slow">
-        <p:fade/>
-      </p:transition>
-    </mc:Fallback>
-  </mc:AlternateContent>
-</p:sldLayout>
-</file>
-
-<file path=ppt/slideLayouts/slideLayout11.xml><?xml version="1.0" encoding="utf-8"?>
 <p:sldLayout xmlns:a="http://schemas.openxmlformats.org/drawingml/2006/main" xmlns:r="http://schemas.openxmlformats.org/officeDocument/2006/relationships" xmlns:p="http://schemas.openxmlformats.org/presentationml/2006/main" matchingName="Comparaison" userDrawn="1">
   <p:cSld name="1_Comparaison">
     <p:spTree>
@@ -2651,7 +2548,346 @@
     </p:spTree>
     <p:extLst>
       <p:ext uri="{BB962C8B-B14F-4D97-AF65-F5344CB8AC3E}">
-        <p14:creationId xmlns:p14="http://schemas.microsoft.com/office/powerpoint/2010/main" val="3431595057"/>
+        <p14:creationId xmlns:p14="http://schemas.microsoft.com/office/powerpoint/2010/main" val="789029929"/>
+      </p:ext>
+    </p:extLst>
+  </p:cSld>
+  <p:clrMapOvr>
+    <a:masterClrMapping/>
+  </p:clrMapOvr>
+  <mc:AlternateContent xmlns:mc="http://schemas.openxmlformats.org/markup-compatibility/2006" xmlns:p14="http://schemas.microsoft.com/office/powerpoint/2010/main">
+    <mc:Choice Requires="p14">
+      <p:transition spd="slow">
+        <p14:reveal/>
+      </p:transition>
+    </mc:Choice>
+    <mc:Fallback xmlns="">
+      <p:transition spd="slow">
+        <p:fade/>
+      </p:transition>
+    </mc:Fallback>
+  </mc:AlternateContent>
+</p:sldLayout>
+</file>
+
+<file path=ppt/slideLayouts/slideLayout11.xml><?xml version="1.0" encoding="utf-8"?>
+<p:sldLayout xmlns:a="http://schemas.openxmlformats.org/drawingml/2006/main" xmlns:r="http://schemas.openxmlformats.org/officeDocument/2006/relationships" xmlns:p="http://schemas.openxmlformats.org/presentationml/2006/main" preserve="1" userDrawn="1">
+  <p:cSld name="1_Titre de section">
+    <p:spTree>
+      <p:nvGrpSpPr>
+        <p:cNvPr id="1" name=""/>
+        <p:cNvGrpSpPr/>
+        <p:nvPr/>
+      </p:nvGrpSpPr>
+      <p:grpSpPr>
+        <a:xfrm>
+          <a:off x="0" y="0"/>
+          <a:ext cx="0" cy="0"/>
+          <a:chOff x="0" y="0"/>
+          <a:chExt cx="0" cy="0"/>
+        </a:xfrm>
+      </p:grpSpPr>
+      <p:sp>
+        <p:nvSpPr>
+          <p:cNvPr id="2" name="Title 1"/>
+          <p:cNvSpPr>
+            <a:spLocks noGrp="1"/>
+          </p:cNvSpPr>
+          <p:nvPr>
+            <p:ph type="title"/>
+          </p:nvPr>
+        </p:nvSpPr>
+        <p:spPr>
+          <a:xfrm>
+            <a:off x="831851" y="1709740"/>
+            <a:ext cx="10515600" cy="2852737"/>
+          </a:xfrm>
+        </p:spPr>
+        <p:txBody>
+          <a:bodyPr anchor="b">
+            <a:normAutofit/>
+          </a:bodyPr>
+          <a:lstStyle>
+            <a:lvl1pPr>
+              <a:defRPr lang="fr-BE"/>
+            </a:lvl1pPr>
+          </a:lstStyle>
+          <a:p>
+            <a:r>
+              <a:rPr lang="fr-FR"/>
+              <a:t>Modifiez le style du titre</a:t>
+            </a:r>
+            <a:endParaRPr lang="fr-BE"/>
+          </a:p>
+        </p:txBody>
+      </p:sp>
+      <p:sp>
+        <p:nvSpPr>
+          <p:cNvPr id="3" name="Text Placeholder 2"/>
+          <p:cNvSpPr>
+            <a:spLocks noGrp="1"/>
+          </p:cNvSpPr>
+          <p:nvPr>
+            <p:ph type="body" idx="1"/>
+          </p:nvPr>
+        </p:nvSpPr>
+        <p:spPr>
+          <a:xfrm>
+            <a:off x="831851" y="4589464"/>
+            <a:ext cx="10515600" cy="1500187"/>
+          </a:xfrm>
+        </p:spPr>
+        <p:txBody>
+          <a:bodyPr/>
+          <a:lstStyle>
+            <a:lvl1pPr marL="0" indent="0">
+              <a:buNone/>
+              <a:defRPr sz="2400">
+                <a:solidFill>
+                  <a:schemeClr val="tx1">
+                    <a:tint val="75000"/>
+                  </a:schemeClr>
+                </a:solidFill>
+              </a:defRPr>
+            </a:lvl1pPr>
+            <a:lvl2pPr marL="457189" indent="0">
+              <a:buNone/>
+              <a:defRPr sz="2000">
+                <a:solidFill>
+                  <a:schemeClr val="tx1">
+                    <a:tint val="75000"/>
+                  </a:schemeClr>
+                </a:solidFill>
+              </a:defRPr>
+            </a:lvl2pPr>
+            <a:lvl3pPr marL="914377" indent="0">
+              <a:buNone/>
+              <a:defRPr sz="1800">
+                <a:solidFill>
+                  <a:schemeClr val="tx1">
+                    <a:tint val="75000"/>
+                  </a:schemeClr>
+                </a:solidFill>
+              </a:defRPr>
+            </a:lvl3pPr>
+            <a:lvl4pPr marL="1371566" indent="0">
+              <a:buNone/>
+              <a:defRPr sz="1600">
+                <a:solidFill>
+                  <a:schemeClr val="tx1">
+                    <a:tint val="75000"/>
+                  </a:schemeClr>
+                </a:solidFill>
+              </a:defRPr>
+            </a:lvl4pPr>
+            <a:lvl5pPr marL="1828754" indent="0">
+              <a:buNone/>
+              <a:defRPr sz="1600">
+                <a:solidFill>
+                  <a:schemeClr val="tx1">
+                    <a:tint val="75000"/>
+                  </a:schemeClr>
+                </a:solidFill>
+              </a:defRPr>
+            </a:lvl5pPr>
+            <a:lvl6pPr marL="2285943" indent="0">
+              <a:buNone/>
+              <a:defRPr sz="1600">
+                <a:solidFill>
+                  <a:schemeClr val="tx1">
+                    <a:tint val="75000"/>
+                  </a:schemeClr>
+                </a:solidFill>
+              </a:defRPr>
+            </a:lvl6pPr>
+            <a:lvl7pPr marL="2743131" indent="0">
+              <a:buNone/>
+              <a:defRPr sz="1600">
+                <a:solidFill>
+                  <a:schemeClr val="tx1">
+                    <a:tint val="75000"/>
+                  </a:schemeClr>
+                </a:solidFill>
+              </a:defRPr>
+            </a:lvl7pPr>
+            <a:lvl8pPr marL="3200320" indent="0">
+              <a:buNone/>
+              <a:defRPr sz="1600">
+                <a:solidFill>
+                  <a:schemeClr val="tx1">
+                    <a:tint val="75000"/>
+                  </a:schemeClr>
+                </a:solidFill>
+              </a:defRPr>
+            </a:lvl8pPr>
+            <a:lvl9pPr marL="3657509" indent="0">
+              <a:buNone/>
+              <a:defRPr sz="1600">
+                <a:solidFill>
+                  <a:schemeClr val="tx1">
+                    <a:tint val="75000"/>
+                  </a:schemeClr>
+                </a:solidFill>
+              </a:defRPr>
+            </a:lvl9pPr>
+          </a:lstStyle>
+          <a:p>
+            <a:pPr lvl="0"/>
+            <a:r>
+              <a:rPr lang="fr-FR"/>
+              <a:t>Cliquez pour modifier les styles du texte du masque</a:t>
+            </a:r>
+          </a:p>
+        </p:txBody>
+      </p:sp>
+      <p:sp>
+        <p:nvSpPr>
+          <p:cNvPr id="5" name="Espace réservé pour une image  4">
+            <a:extLst>
+              <a:ext uri="{FF2B5EF4-FFF2-40B4-BE49-F238E27FC236}">
+                <a16:creationId xmlns:a16="http://schemas.microsoft.com/office/drawing/2014/main" id="{83B7C617-6903-4988-8F47-3C72C68028FF}"/>
+              </a:ext>
+            </a:extLst>
+          </p:cNvPr>
+          <p:cNvSpPr>
+            <a:spLocks noGrp="1"/>
+          </p:cNvSpPr>
+          <p:nvPr>
+            <p:ph type="pic" sz="quarter" idx="10"/>
+          </p:nvPr>
+        </p:nvSpPr>
+        <p:spPr>
+          <a:xfrm>
+            <a:off x="9000000" y="720000"/>
+            <a:ext cx="2160000" cy="2160000"/>
+          </a:xfrm>
+        </p:spPr>
+        <p:txBody>
+          <a:bodyPr/>
+          <a:lstStyle/>
+          <a:p>
+            <a:r>
+              <a:rPr lang="fr-FR"/>
+              <a:t>Cliquez sur l'icône pour ajouter une image</a:t>
+            </a:r>
+            <a:endParaRPr lang="fr-BE" dirty="0"/>
+          </a:p>
+        </p:txBody>
+      </p:sp>
+    </p:spTree>
+    <p:extLst>
+      <p:ext uri="{BB962C8B-B14F-4D97-AF65-F5344CB8AC3E}">
+        <p14:creationId xmlns:p14="http://schemas.microsoft.com/office/powerpoint/2010/main" val="776411670"/>
+      </p:ext>
+    </p:extLst>
+  </p:cSld>
+  <p:clrMapOvr>
+    <a:masterClrMapping/>
+  </p:clrMapOvr>
+  <mc:AlternateContent xmlns:mc="http://schemas.openxmlformats.org/markup-compatibility/2006" xmlns:p14="http://schemas.microsoft.com/office/powerpoint/2010/main">
+    <mc:Choice Requires="p14">
+      <p:transition spd="slow">
+        <p14:reveal/>
+      </p:transition>
+    </mc:Choice>
+    <mc:Fallback xmlns="">
+      <p:transition spd="slow">
+        <p:fade/>
+      </p:transition>
+    </mc:Fallback>
+  </mc:AlternateContent>
+</p:sldLayout>
+</file>
+
+<file path=ppt/slideLayouts/slideLayout12.xml><?xml version="1.0" encoding="utf-8"?>
+<p:sldLayout xmlns:a="http://schemas.openxmlformats.org/drawingml/2006/main" xmlns:r="http://schemas.openxmlformats.org/officeDocument/2006/relationships" xmlns:p="http://schemas.openxmlformats.org/presentationml/2006/main" preserve="1" userDrawn="1">
+  <p:cSld name="1_Sub-Section Header">
+    <p:spTree>
+      <p:nvGrpSpPr>
+        <p:cNvPr id="1" name=""/>
+        <p:cNvGrpSpPr/>
+        <p:nvPr/>
+      </p:nvGrpSpPr>
+      <p:grpSpPr>
+        <a:xfrm>
+          <a:off x="0" y="0"/>
+          <a:ext cx="0" cy="0"/>
+          <a:chOff x="0" y="0"/>
+          <a:chExt cx="0" cy="0"/>
+        </a:xfrm>
+      </p:grpSpPr>
+      <p:sp>
+        <p:nvSpPr>
+          <p:cNvPr id="2" name="Title 1"/>
+          <p:cNvSpPr>
+            <a:spLocks noGrp="1"/>
+          </p:cNvSpPr>
+          <p:nvPr>
+            <p:ph type="title"/>
+          </p:nvPr>
+        </p:nvSpPr>
+        <p:spPr>
+          <a:xfrm>
+            <a:off x="831851" y="4544704"/>
+            <a:ext cx="10515600" cy="1628211"/>
+          </a:xfrm>
+        </p:spPr>
+        <p:txBody>
+          <a:bodyPr anchor="b">
+            <a:normAutofit/>
+          </a:bodyPr>
+          <a:lstStyle>
+            <a:lvl1pPr>
+              <a:defRPr sz="3600"/>
+            </a:lvl1pPr>
+          </a:lstStyle>
+          <a:p>
+            <a:r>
+              <a:rPr lang="fr-FR"/>
+              <a:t>Modifiez le style du titre</a:t>
+            </a:r>
+            <a:endParaRPr lang="fr-BE" dirty="0"/>
+          </a:p>
+        </p:txBody>
+      </p:sp>
+      <p:sp>
+        <p:nvSpPr>
+          <p:cNvPr id="5" name="Espace réservé pour une image  4">
+            <a:extLst>
+              <a:ext uri="{FF2B5EF4-FFF2-40B4-BE49-F238E27FC236}">
+                <a16:creationId xmlns:a16="http://schemas.microsoft.com/office/drawing/2014/main" id="{4FDD30A2-EFB1-4B31-8365-64458F4E13E2}"/>
+              </a:ext>
+            </a:extLst>
+          </p:cNvPr>
+          <p:cNvSpPr>
+            <a:spLocks noGrp="1"/>
+          </p:cNvSpPr>
+          <p:nvPr>
+            <p:ph type="pic" sz="quarter" idx="10"/>
+          </p:nvPr>
+        </p:nvSpPr>
+        <p:spPr>
+          <a:xfrm>
+            <a:off x="9000000" y="720000"/>
+            <a:ext cx="1440000" cy="1440000"/>
+          </a:xfrm>
+        </p:spPr>
+        <p:txBody>
+          <a:bodyPr/>
+          <a:lstStyle/>
+          <a:p>
+            <a:r>
+              <a:rPr lang="fr-FR"/>
+              <a:t>Cliquez sur l'icône pour ajouter une image</a:t>
+            </a:r>
+            <a:endParaRPr lang="fr-BE" dirty="0"/>
+          </a:p>
+        </p:txBody>
+      </p:sp>
+    </p:spTree>
+    <p:extLst>
+      <p:ext uri="{BB962C8B-B14F-4D97-AF65-F5344CB8AC3E}">
+        <p14:creationId xmlns:p14="http://schemas.microsoft.com/office/powerpoint/2010/main" val="3785747613"/>
       </p:ext>
     </p:extLst>
   </p:cSld>
@@ -2770,10 +3006,93 @@
           </a:p>
         </p:txBody>
       </p:sp>
+      <p:sp>
+        <p:nvSpPr>
+          <p:cNvPr id="4" name="Espace réservé de la date 3">
+            <a:extLst>
+              <a:ext uri="{FF2B5EF4-FFF2-40B4-BE49-F238E27FC236}">
+                <a16:creationId xmlns:a16="http://schemas.microsoft.com/office/drawing/2014/main" id="{3268EF8D-0946-4672-F93D-1040FBC99710}"/>
+              </a:ext>
+            </a:extLst>
+          </p:cNvPr>
+          <p:cNvSpPr>
+            <a:spLocks noGrp="1"/>
+          </p:cNvSpPr>
+          <p:nvPr>
+            <p:ph type="dt" sz="half" idx="10"/>
+          </p:nvPr>
+        </p:nvSpPr>
+        <p:spPr/>
+        <p:txBody>
+          <a:bodyPr/>
+          <a:lstStyle/>
+          <a:p>
+            <a:fld id="{F3953782-D06E-4853-BE3C-64C197273937}" type="datetimeFigureOut">
+              <a:rPr lang="fr-BE" smtClean="0"/>
+              <a:t>27-01-25</a:t>
+            </a:fld>
+            <a:endParaRPr lang="fr-BE"/>
+          </a:p>
+        </p:txBody>
+      </p:sp>
+      <p:sp>
+        <p:nvSpPr>
+          <p:cNvPr id="5" name="Espace réservé du pied de page 4">
+            <a:extLst>
+              <a:ext uri="{FF2B5EF4-FFF2-40B4-BE49-F238E27FC236}">
+                <a16:creationId xmlns:a16="http://schemas.microsoft.com/office/drawing/2014/main" id="{8F8A40D7-7FAD-432F-7B9F-71125A565A95}"/>
+              </a:ext>
+            </a:extLst>
+          </p:cNvPr>
+          <p:cNvSpPr>
+            <a:spLocks noGrp="1"/>
+          </p:cNvSpPr>
+          <p:nvPr>
+            <p:ph type="ftr" sz="quarter" idx="11"/>
+          </p:nvPr>
+        </p:nvSpPr>
+        <p:spPr/>
+        <p:txBody>
+          <a:bodyPr/>
+          <a:lstStyle/>
+          <a:p>
+            <a:endParaRPr lang="fr-BE"/>
+          </a:p>
+        </p:txBody>
+      </p:sp>
+      <p:sp>
+        <p:nvSpPr>
+          <p:cNvPr id="6" name="Espace réservé du numéro de diapositive 5">
+            <a:extLst>
+              <a:ext uri="{FF2B5EF4-FFF2-40B4-BE49-F238E27FC236}">
+                <a16:creationId xmlns:a16="http://schemas.microsoft.com/office/drawing/2014/main" id="{54A3E5DF-3F32-A840-9AC0-4B04DF13C487}"/>
+              </a:ext>
+            </a:extLst>
+          </p:cNvPr>
+          <p:cNvSpPr>
+            <a:spLocks noGrp="1"/>
+          </p:cNvSpPr>
+          <p:nvPr>
+            <p:ph type="sldNum" sz="quarter" idx="12"/>
+          </p:nvPr>
+        </p:nvSpPr>
+        <p:spPr/>
+        <p:txBody>
+          <a:bodyPr/>
+          <a:lstStyle/>
+          <a:p>
+            <a:fld id="{02C092ED-0E97-497E-99D9-BB9DD7276F53}" type="slidenum">
+              <a:rPr lang="fr-BE" smtClean="0"/>
+              <a:t>‹N°›</a:t>
+            </a:fld>
+            <a:endParaRPr lang="fr-BE"/>
+          </a:p>
+        </p:txBody>
+      </p:sp>
     </p:spTree>
     <p:extLst>
       <p:ext uri="{BB962C8B-B14F-4D97-AF65-F5344CB8AC3E}">
-        <p14:creationId xmlns:p14="http://schemas.microsoft.com/office/powerpoint/2010/main" val="1049464146"/>
+        <p14:creationId xmlns:p14="http://schemas.microsoft.com/office/powerpoint/2010/main" val="1076614487"/>
       </p:ext>
     </p:extLst>
   </p:cSld>
@@ -2796,7 +3115,7 @@
 </file>
 
 <file path=ppt/slideLayouts/slideLayout3.xml><?xml version="1.0" encoding="utf-8"?>
-<p:sldLayout xmlns:a="http://schemas.openxmlformats.org/drawingml/2006/main" xmlns:r="http://schemas.openxmlformats.org/officeDocument/2006/relationships" xmlns:p="http://schemas.openxmlformats.org/presentationml/2006/main" preserve="1" userDrawn="1">
+<p:sldLayout xmlns:a="http://schemas.openxmlformats.org/drawingml/2006/main" xmlns:r="http://schemas.openxmlformats.org/officeDocument/2006/relationships" xmlns:p="http://schemas.openxmlformats.org/presentationml/2006/main" preserve="1">
   <p:cSld name="Titre de section">
     <p:spTree>
       <p:nvGrpSpPr>
@@ -2834,7 +3153,11 @@
           </a:bodyPr>
           <a:lstStyle>
             <a:lvl1pPr>
-              <a:defRPr lang="fr-BE"/>
+              <a:defRPr lang="fr-BE">
+                <a:solidFill>
+                  <a:schemeClr val="accent2"/>
+                </a:solidFill>
+              </a:defRPr>
             </a:lvl1pPr>
           </a:lstStyle>
           <a:p>
@@ -2999,10 +3322,93 @@
           </a:p>
         </p:txBody>
       </p:sp>
+      <p:sp>
+        <p:nvSpPr>
+          <p:cNvPr id="4" name="Espace réservé de la date 3">
+            <a:extLst>
+              <a:ext uri="{FF2B5EF4-FFF2-40B4-BE49-F238E27FC236}">
+                <a16:creationId xmlns:a16="http://schemas.microsoft.com/office/drawing/2014/main" id="{F2D67B63-F450-35EF-442C-62311487D2F4}"/>
+              </a:ext>
+            </a:extLst>
+          </p:cNvPr>
+          <p:cNvSpPr>
+            <a:spLocks noGrp="1"/>
+          </p:cNvSpPr>
+          <p:nvPr>
+            <p:ph type="dt" sz="half" idx="11"/>
+          </p:nvPr>
+        </p:nvSpPr>
+        <p:spPr/>
+        <p:txBody>
+          <a:bodyPr/>
+          <a:lstStyle/>
+          <a:p>
+            <a:fld id="{F3953782-D06E-4853-BE3C-64C197273937}" type="datetimeFigureOut">
+              <a:rPr lang="fr-BE" smtClean="0"/>
+              <a:t>27-01-25</a:t>
+            </a:fld>
+            <a:endParaRPr lang="fr-BE"/>
+          </a:p>
+        </p:txBody>
+      </p:sp>
+      <p:sp>
+        <p:nvSpPr>
+          <p:cNvPr id="6" name="Espace réservé du pied de page 5">
+            <a:extLst>
+              <a:ext uri="{FF2B5EF4-FFF2-40B4-BE49-F238E27FC236}">
+                <a16:creationId xmlns:a16="http://schemas.microsoft.com/office/drawing/2014/main" id="{EBC20ED6-7274-FD2F-773B-9069D53732E9}"/>
+              </a:ext>
+            </a:extLst>
+          </p:cNvPr>
+          <p:cNvSpPr>
+            <a:spLocks noGrp="1"/>
+          </p:cNvSpPr>
+          <p:nvPr>
+            <p:ph type="ftr" sz="quarter" idx="12"/>
+          </p:nvPr>
+        </p:nvSpPr>
+        <p:spPr/>
+        <p:txBody>
+          <a:bodyPr/>
+          <a:lstStyle/>
+          <a:p>
+            <a:endParaRPr lang="fr-BE"/>
+          </a:p>
+        </p:txBody>
+      </p:sp>
+      <p:sp>
+        <p:nvSpPr>
+          <p:cNvPr id="7" name="Espace réservé du numéro de diapositive 6">
+            <a:extLst>
+              <a:ext uri="{FF2B5EF4-FFF2-40B4-BE49-F238E27FC236}">
+                <a16:creationId xmlns:a16="http://schemas.microsoft.com/office/drawing/2014/main" id="{DB282271-26EC-908B-2E9D-6EE95CFBEB1C}"/>
+              </a:ext>
+            </a:extLst>
+          </p:cNvPr>
+          <p:cNvSpPr>
+            <a:spLocks noGrp="1"/>
+          </p:cNvSpPr>
+          <p:nvPr>
+            <p:ph type="sldNum" sz="quarter" idx="13"/>
+          </p:nvPr>
+        </p:nvSpPr>
+        <p:spPr/>
+        <p:txBody>
+          <a:bodyPr/>
+          <a:lstStyle/>
+          <a:p>
+            <a:fld id="{02C092ED-0E97-497E-99D9-BB9DD7276F53}" type="slidenum">
+              <a:rPr lang="fr-BE" smtClean="0"/>
+              <a:t>‹N°›</a:t>
+            </a:fld>
+            <a:endParaRPr lang="fr-BE"/>
+          </a:p>
+        </p:txBody>
+      </p:sp>
     </p:spTree>
     <p:extLst>
       <p:ext uri="{BB962C8B-B14F-4D97-AF65-F5344CB8AC3E}">
-        <p14:creationId xmlns:p14="http://schemas.microsoft.com/office/powerpoint/2010/main" val="776411670"/>
+        <p14:creationId xmlns:p14="http://schemas.microsoft.com/office/powerpoint/2010/main" val="1523362931"/>
       </p:ext>
     </p:extLst>
   </p:cSld>
@@ -3025,7 +3431,7 @@
 </file>
 
 <file path=ppt/slideLayouts/slideLayout4.xml><?xml version="1.0" encoding="utf-8"?>
-<p:sldLayout xmlns:a="http://schemas.openxmlformats.org/drawingml/2006/main" xmlns:r="http://schemas.openxmlformats.org/officeDocument/2006/relationships" xmlns:p="http://schemas.openxmlformats.org/presentationml/2006/main" preserve="1" userDrawn="1">
+<p:sldLayout xmlns:a="http://schemas.openxmlformats.org/drawingml/2006/main" xmlns:r="http://schemas.openxmlformats.org/officeDocument/2006/relationships" xmlns:p="http://schemas.openxmlformats.org/presentationml/2006/main" preserve="1">
   <p:cSld name="Sub-Section Header">
     <p:spTree>
       <p:nvGrpSpPr>
@@ -3063,7 +3469,11 @@
           </a:bodyPr>
           <a:lstStyle>
             <a:lvl1pPr>
-              <a:defRPr sz="3600"/>
+              <a:defRPr sz="3600">
+                <a:solidFill>
+                  <a:schemeClr val="accent2"/>
+                </a:solidFill>
+              </a:defRPr>
             </a:lvl1pPr>
           </a:lstStyle>
           <a:p>
@@ -3109,10 +3519,93 @@
           </a:p>
         </p:txBody>
       </p:sp>
+      <p:sp>
+        <p:nvSpPr>
+          <p:cNvPr id="3" name="Espace réservé de la date 2">
+            <a:extLst>
+              <a:ext uri="{FF2B5EF4-FFF2-40B4-BE49-F238E27FC236}">
+                <a16:creationId xmlns:a16="http://schemas.microsoft.com/office/drawing/2014/main" id="{B8BD7575-5E4D-B6F7-D511-002E7EBB1A2F}"/>
+              </a:ext>
+            </a:extLst>
+          </p:cNvPr>
+          <p:cNvSpPr>
+            <a:spLocks noGrp="1"/>
+          </p:cNvSpPr>
+          <p:nvPr>
+            <p:ph type="dt" sz="half" idx="11"/>
+          </p:nvPr>
+        </p:nvSpPr>
+        <p:spPr/>
+        <p:txBody>
+          <a:bodyPr/>
+          <a:lstStyle/>
+          <a:p>
+            <a:fld id="{F3953782-D06E-4853-BE3C-64C197273937}" type="datetimeFigureOut">
+              <a:rPr lang="fr-BE" smtClean="0"/>
+              <a:t>27-01-25</a:t>
+            </a:fld>
+            <a:endParaRPr lang="fr-BE"/>
+          </a:p>
+        </p:txBody>
+      </p:sp>
+      <p:sp>
+        <p:nvSpPr>
+          <p:cNvPr id="4" name="Espace réservé du pied de page 3">
+            <a:extLst>
+              <a:ext uri="{FF2B5EF4-FFF2-40B4-BE49-F238E27FC236}">
+                <a16:creationId xmlns:a16="http://schemas.microsoft.com/office/drawing/2014/main" id="{F57AA542-0BD3-6896-CFBC-925661457ED8}"/>
+              </a:ext>
+            </a:extLst>
+          </p:cNvPr>
+          <p:cNvSpPr>
+            <a:spLocks noGrp="1"/>
+          </p:cNvSpPr>
+          <p:nvPr>
+            <p:ph type="ftr" sz="quarter" idx="12"/>
+          </p:nvPr>
+        </p:nvSpPr>
+        <p:spPr/>
+        <p:txBody>
+          <a:bodyPr/>
+          <a:lstStyle/>
+          <a:p>
+            <a:endParaRPr lang="fr-BE"/>
+          </a:p>
+        </p:txBody>
+      </p:sp>
+      <p:sp>
+        <p:nvSpPr>
+          <p:cNvPr id="6" name="Espace réservé du numéro de diapositive 5">
+            <a:extLst>
+              <a:ext uri="{FF2B5EF4-FFF2-40B4-BE49-F238E27FC236}">
+                <a16:creationId xmlns:a16="http://schemas.microsoft.com/office/drawing/2014/main" id="{FF1D4A95-E4A4-1574-4F11-DE8F1961354B}"/>
+              </a:ext>
+            </a:extLst>
+          </p:cNvPr>
+          <p:cNvSpPr>
+            <a:spLocks noGrp="1"/>
+          </p:cNvSpPr>
+          <p:nvPr>
+            <p:ph type="sldNum" sz="quarter" idx="13"/>
+          </p:nvPr>
+        </p:nvSpPr>
+        <p:spPr/>
+        <p:txBody>
+          <a:bodyPr/>
+          <a:lstStyle/>
+          <a:p>
+            <a:fld id="{02C092ED-0E97-497E-99D9-BB9DD7276F53}" type="slidenum">
+              <a:rPr lang="fr-BE" smtClean="0"/>
+              <a:t>‹N°›</a:t>
+            </a:fld>
+            <a:endParaRPr lang="fr-BE"/>
+          </a:p>
+        </p:txBody>
+      </p:sp>
     </p:spTree>
     <p:extLst>
       <p:ext uri="{BB962C8B-B14F-4D97-AF65-F5344CB8AC3E}">
-        <p14:creationId xmlns:p14="http://schemas.microsoft.com/office/powerpoint/2010/main" val="3785747613"/>
+        <p14:creationId xmlns:p14="http://schemas.microsoft.com/office/powerpoint/2010/main" val="2679881269"/>
       </p:ext>
     </p:extLst>
   </p:cSld>
@@ -3288,10 +3781,93 @@
           </a:p>
         </p:txBody>
       </p:sp>
+      <p:sp>
+        <p:nvSpPr>
+          <p:cNvPr id="5" name="Espace réservé de la date 4">
+            <a:extLst>
+              <a:ext uri="{FF2B5EF4-FFF2-40B4-BE49-F238E27FC236}">
+                <a16:creationId xmlns:a16="http://schemas.microsoft.com/office/drawing/2014/main" id="{023EE368-836F-D6B7-3720-94E515B8ED49}"/>
+              </a:ext>
+            </a:extLst>
+          </p:cNvPr>
+          <p:cNvSpPr>
+            <a:spLocks noGrp="1"/>
+          </p:cNvSpPr>
+          <p:nvPr>
+            <p:ph type="dt" sz="half" idx="10"/>
+          </p:nvPr>
+        </p:nvSpPr>
+        <p:spPr/>
+        <p:txBody>
+          <a:bodyPr/>
+          <a:lstStyle/>
+          <a:p>
+            <a:fld id="{F3953782-D06E-4853-BE3C-64C197273937}" type="datetimeFigureOut">
+              <a:rPr lang="fr-BE" smtClean="0"/>
+              <a:t>27-01-25</a:t>
+            </a:fld>
+            <a:endParaRPr lang="fr-BE"/>
+          </a:p>
+        </p:txBody>
+      </p:sp>
+      <p:sp>
+        <p:nvSpPr>
+          <p:cNvPr id="6" name="Espace réservé du pied de page 5">
+            <a:extLst>
+              <a:ext uri="{FF2B5EF4-FFF2-40B4-BE49-F238E27FC236}">
+                <a16:creationId xmlns:a16="http://schemas.microsoft.com/office/drawing/2014/main" id="{940FC0D1-460C-5274-B67A-CADD301151E8}"/>
+              </a:ext>
+            </a:extLst>
+          </p:cNvPr>
+          <p:cNvSpPr>
+            <a:spLocks noGrp="1"/>
+          </p:cNvSpPr>
+          <p:nvPr>
+            <p:ph type="ftr" sz="quarter" idx="11"/>
+          </p:nvPr>
+        </p:nvSpPr>
+        <p:spPr/>
+        <p:txBody>
+          <a:bodyPr/>
+          <a:lstStyle/>
+          <a:p>
+            <a:endParaRPr lang="fr-BE"/>
+          </a:p>
+        </p:txBody>
+      </p:sp>
+      <p:sp>
+        <p:nvSpPr>
+          <p:cNvPr id="7" name="Espace réservé du numéro de diapositive 6">
+            <a:extLst>
+              <a:ext uri="{FF2B5EF4-FFF2-40B4-BE49-F238E27FC236}">
+                <a16:creationId xmlns:a16="http://schemas.microsoft.com/office/drawing/2014/main" id="{7D5E82B2-87DB-8B8E-12FD-843E81352499}"/>
+              </a:ext>
+            </a:extLst>
+          </p:cNvPr>
+          <p:cNvSpPr>
+            <a:spLocks noGrp="1"/>
+          </p:cNvSpPr>
+          <p:nvPr>
+            <p:ph type="sldNum" sz="quarter" idx="12"/>
+          </p:nvPr>
+        </p:nvSpPr>
+        <p:spPr/>
+        <p:txBody>
+          <a:bodyPr/>
+          <a:lstStyle/>
+          <a:p>
+            <a:fld id="{02C092ED-0E97-497E-99D9-BB9DD7276F53}" type="slidenum">
+              <a:rPr lang="fr-BE" smtClean="0"/>
+              <a:t>‹N°›</a:t>
+            </a:fld>
+            <a:endParaRPr lang="fr-BE"/>
+          </a:p>
+        </p:txBody>
+      </p:sp>
     </p:spTree>
     <p:extLst>
       <p:ext uri="{BB962C8B-B14F-4D97-AF65-F5344CB8AC3E}">
-        <p14:creationId xmlns:p14="http://schemas.microsoft.com/office/powerpoint/2010/main" val="2662045599"/>
+        <p14:creationId xmlns:p14="http://schemas.microsoft.com/office/powerpoint/2010/main" val="8098348"/>
       </p:ext>
     </p:extLst>
   </p:cSld>
@@ -3603,10 +4179,93 @@
           </a:p>
         </p:txBody>
       </p:sp>
+      <p:sp>
+        <p:nvSpPr>
+          <p:cNvPr id="7" name="Espace réservé de la date 6">
+            <a:extLst>
+              <a:ext uri="{FF2B5EF4-FFF2-40B4-BE49-F238E27FC236}">
+                <a16:creationId xmlns:a16="http://schemas.microsoft.com/office/drawing/2014/main" id="{D605DBAD-E815-DA9F-C843-1DE122AA5FFF}"/>
+              </a:ext>
+            </a:extLst>
+          </p:cNvPr>
+          <p:cNvSpPr>
+            <a:spLocks noGrp="1"/>
+          </p:cNvSpPr>
+          <p:nvPr>
+            <p:ph type="dt" sz="half" idx="10"/>
+          </p:nvPr>
+        </p:nvSpPr>
+        <p:spPr/>
+        <p:txBody>
+          <a:bodyPr/>
+          <a:lstStyle/>
+          <a:p>
+            <a:fld id="{F3953782-D06E-4853-BE3C-64C197273937}" type="datetimeFigureOut">
+              <a:rPr lang="fr-BE" smtClean="0"/>
+              <a:t>27-01-25</a:t>
+            </a:fld>
+            <a:endParaRPr lang="fr-BE"/>
+          </a:p>
+        </p:txBody>
+      </p:sp>
+      <p:sp>
+        <p:nvSpPr>
+          <p:cNvPr id="8" name="Espace réservé du pied de page 7">
+            <a:extLst>
+              <a:ext uri="{FF2B5EF4-FFF2-40B4-BE49-F238E27FC236}">
+                <a16:creationId xmlns:a16="http://schemas.microsoft.com/office/drawing/2014/main" id="{F344211E-58E3-3B61-D18C-DCC7772A096B}"/>
+              </a:ext>
+            </a:extLst>
+          </p:cNvPr>
+          <p:cNvSpPr>
+            <a:spLocks noGrp="1"/>
+          </p:cNvSpPr>
+          <p:nvPr>
+            <p:ph type="ftr" sz="quarter" idx="11"/>
+          </p:nvPr>
+        </p:nvSpPr>
+        <p:spPr/>
+        <p:txBody>
+          <a:bodyPr/>
+          <a:lstStyle/>
+          <a:p>
+            <a:endParaRPr lang="fr-BE"/>
+          </a:p>
+        </p:txBody>
+      </p:sp>
+      <p:sp>
+        <p:nvSpPr>
+          <p:cNvPr id="9" name="Espace réservé du numéro de diapositive 8">
+            <a:extLst>
+              <a:ext uri="{FF2B5EF4-FFF2-40B4-BE49-F238E27FC236}">
+                <a16:creationId xmlns:a16="http://schemas.microsoft.com/office/drawing/2014/main" id="{85F2F6A2-3605-D138-CBD4-299C105E107C}"/>
+              </a:ext>
+            </a:extLst>
+          </p:cNvPr>
+          <p:cNvSpPr>
+            <a:spLocks noGrp="1"/>
+          </p:cNvSpPr>
+          <p:nvPr>
+            <p:ph type="sldNum" sz="quarter" idx="12"/>
+          </p:nvPr>
+        </p:nvSpPr>
+        <p:spPr/>
+        <p:txBody>
+          <a:bodyPr/>
+          <a:lstStyle/>
+          <a:p>
+            <a:fld id="{02C092ED-0E97-497E-99D9-BB9DD7276F53}" type="slidenum">
+              <a:rPr lang="fr-BE" smtClean="0"/>
+              <a:t>‹N°›</a:t>
+            </a:fld>
+            <a:endParaRPr lang="fr-BE"/>
+          </a:p>
+        </p:txBody>
+      </p:sp>
     </p:spTree>
     <p:extLst>
       <p:ext uri="{BB962C8B-B14F-4D97-AF65-F5344CB8AC3E}">
-        <p14:creationId xmlns:p14="http://schemas.microsoft.com/office/powerpoint/2010/main" val="732305386"/>
+        <p14:creationId xmlns:p14="http://schemas.microsoft.com/office/powerpoint/2010/main" val="3161045874"/>
       </p:ext>
     </p:extLst>
   </p:cSld>
@@ -3668,10 +4327,93 @@
           </a:p>
         </p:txBody>
       </p:sp>
+      <p:sp>
+        <p:nvSpPr>
+          <p:cNvPr id="3" name="Espace réservé de la date 2">
+            <a:extLst>
+              <a:ext uri="{FF2B5EF4-FFF2-40B4-BE49-F238E27FC236}">
+                <a16:creationId xmlns:a16="http://schemas.microsoft.com/office/drawing/2014/main" id="{BB23E5C8-1D92-E25A-D482-9866759B5BD2}"/>
+              </a:ext>
+            </a:extLst>
+          </p:cNvPr>
+          <p:cNvSpPr>
+            <a:spLocks noGrp="1"/>
+          </p:cNvSpPr>
+          <p:nvPr>
+            <p:ph type="dt" sz="half" idx="10"/>
+          </p:nvPr>
+        </p:nvSpPr>
+        <p:spPr/>
+        <p:txBody>
+          <a:bodyPr/>
+          <a:lstStyle/>
+          <a:p>
+            <a:fld id="{F3953782-D06E-4853-BE3C-64C197273937}" type="datetimeFigureOut">
+              <a:rPr lang="fr-BE" smtClean="0"/>
+              <a:t>27-01-25</a:t>
+            </a:fld>
+            <a:endParaRPr lang="fr-BE"/>
+          </a:p>
+        </p:txBody>
+      </p:sp>
+      <p:sp>
+        <p:nvSpPr>
+          <p:cNvPr id="4" name="Espace réservé du pied de page 3">
+            <a:extLst>
+              <a:ext uri="{FF2B5EF4-FFF2-40B4-BE49-F238E27FC236}">
+                <a16:creationId xmlns:a16="http://schemas.microsoft.com/office/drawing/2014/main" id="{55ACAADE-10AC-A5C6-B021-C668BC2068AC}"/>
+              </a:ext>
+            </a:extLst>
+          </p:cNvPr>
+          <p:cNvSpPr>
+            <a:spLocks noGrp="1"/>
+          </p:cNvSpPr>
+          <p:nvPr>
+            <p:ph type="ftr" sz="quarter" idx="11"/>
+          </p:nvPr>
+        </p:nvSpPr>
+        <p:spPr/>
+        <p:txBody>
+          <a:bodyPr/>
+          <a:lstStyle/>
+          <a:p>
+            <a:endParaRPr lang="fr-BE"/>
+          </a:p>
+        </p:txBody>
+      </p:sp>
+      <p:sp>
+        <p:nvSpPr>
+          <p:cNvPr id="5" name="Espace réservé du numéro de diapositive 4">
+            <a:extLst>
+              <a:ext uri="{FF2B5EF4-FFF2-40B4-BE49-F238E27FC236}">
+                <a16:creationId xmlns:a16="http://schemas.microsoft.com/office/drawing/2014/main" id="{64BD460E-C94D-0F17-7C77-D32F9CC12D7A}"/>
+              </a:ext>
+            </a:extLst>
+          </p:cNvPr>
+          <p:cNvSpPr>
+            <a:spLocks noGrp="1"/>
+          </p:cNvSpPr>
+          <p:nvPr>
+            <p:ph type="sldNum" sz="quarter" idx="12"/>
+          </p:nvPr>
+        </p:nvSpPr>
+        <p:spPr/>
+        <p:txBody>
+          <a:bodyPr/>
+          <a:lstStyle/>
+          <a:p>
+            <a:fld id="{02C092ED-0E97-497E-99D9-BB9DD7276F53}" type="slidenum">
+              <a:rPr lang="fr-BE" smtClean="0"/>
+              <a:t>‹N°›</a:t>
+            </a:fld>
+            <a:endParaRPr lang="fr-BE"/>
+          </a:p>
+        </p:txBody>
+      </p:sp>
     </p:spTree>
     <p:extLst>
       <p:ext uri="{BB962C8B-B14F-4D97-AF65-F5344CB8AC3E}">
-        <p14:creationId xmlns:p14="http://schemas.microsoft.com/office/powerpoint/2010/main" val="1351765376"/>
+        <p14:creationId xmlns:p14="http://schemas.microsoft.com/office/powerpoint/2010/main" val="3977340210"/>
       </p:ext>
     </p:extLst>
   </p:cSld>
@@ -3713,7 +4455,7 @@
     </p:spTree>
     <p:extLst>
       <p:ext uri="{BB962C8B-B14F-4D97-AF65-F5344CB8AC3E}">
-        <p14:creationId xmlns:p14="http://schemas.microsoft.com/office/powerpoint/2010/main" val="3931488030"/>
+        <p14:creationId xmlns:p14="http://schemas.microsoft.com/office/powerpoint/2010/main" val="3009420718"/>
       </p:ext>
     </p:extLst>
   </p:cSld>
@@ -3934,10 +4676,93 @@
           </a:p>
         </p:txBody>
       </p:sp>
+      <p:sp>
+        <p:nvSpPr>
+          <p:cNvPr id="5" name="Espace réservé de la date 4">
+            <a:extLst>
+              <a:ext uri="{FF2B5EF4-FFF2-40B4-BE49-F238E27FC236}">
+                <a16:creationId xmlns:a16="http://schemas.microsoft.com/office/drawing/2014/main" id="{433BACDB-1022-3581-CB46-1F85D70253ED}"/>
+              </a:ext>
+            </a:extLst>
+          </p:cNvPr>
+          <p:cNvSpPr>
+            <a:spLocks noGrp="1"/>
+          </p:cNvSpPr>
+          <p:nvPr>
+            <p:ph type="dt" sz="half" idx="10"/>
+          </p:nvPr>
+        </p:nvSpPr>
+        <p:spPr/>
+        <p:txBody>
+          <a:bodyPr/>
+          <a:lstStyle/>
+          <a:p>
+            <a:fld id="{F3953782-D06E-4853-BE3C-64C197273937}" type="datetimeFigureOut">
+              <a:rPr lang="fr-BE" smtClean="0"/>
+              <a:t>27-01-25</a:t>
+            </a:fld>
+            <a:endParaRPr lang="fr-BE"/>
+          </a:p>
+        </p:txBody>
+      </p:sp>
+      <p:sp>
+        <p:nvSpPr>
+          <p:cNvPr id="6" name="Espace réservé du pied de page 5">
+            <a:extLst>
+              <a:ext uri="{FF2B5EF4-FFF2-40B4-BE49-F238E27FC236}">
+                <a16:creationId xmlns:a16="http://schemas.microsoft.com/office/drawing/2014/main" id="{9C8F4609-0312-F825-CC91-FAC10F330180}"/>
+              </a:ext>
+            </a:extLst>
+          </p:cNvPr>
+          <p:cNvSpPr>
+            <a:spLocks noGrp="1"/>
+          </p:cNvSpPr>
+          <p:nvPr>
+            <p:ph type="ftr" sz="quarter" idx="11"/>
+          </p:nvPr>
+        </p:nvSpPr>
+        <p:spPr/>
+        <p:txBody>
+          <a:bodyPr/>
+          <a:lstStyle/>
+          <a:p>
+            <a:endParaRPr lang="fr-BE"/>
+          </a:p>
+        </p:txBody>
+      </p:sp>
+      <p:sp>
+        <p:nvSpPr>
+          <p:cNvPr id="7" name="Espace réservé du numéro de diapositive 6">
+            <a:extLst>
+              <a:ext uri="{FF2B5EF4-FFF2-40B4-BE49-F238E27FC236}">
+                <a16:creationId xmlns:a16="http://schemas.microsoft.com/office/drawing/2014/main" id="{91F0E555-3A77-670E-9C69-DE1D8DE232F9}"/>
+              </a:ext>
+            </a:extLst>
+          </p:cNvPr>
+          <p:cNvSpPr>
+            <a:spLocks noGrp="1"/>
+          </p:cNvSpPr>
+          <p:nvPr>
+            <p:ph type="sldNum" sz="quarter" idx="12"/>
+          </p:nvPr>
+        </p:nvSpPr>
+        <p:spPr/>
+        <p:txBody>
+          <a:bodyPr/>
+          <a:lstStyle/>
+          <a:p>
+            <a:fld id="{02C092ED-0E97-497E-99D9-BB9DD7276F53}" type="slidenum">
+              <a:rPr lang="fr-BE" smtClean="0"/>
+              <a:t>‹N°›</a:t>
+            </a:fld>
+            <a:endParaRPr lang="fr-BE"/>
+          </a:p>
+        </p:txBody>
+      </p:sp>
     </p:spTree>
     <p:extLst>
       <p:ext uri="{BB962C8B-B14F-4D97-AF65-F5344CB8AC3E}">
-        <p14:creationId xmlns:p14="http://schemas.microsoft.com/office/powerpoint/2010/main" val="3017668453"/>
+        <p14:creationId xmlns:p14="http://schemas.microsoft.com/office/powerpoint/2010/main" val="463409681"/>
       </p:ext>
     </p:extLst>
   </p:cSld>
@@ -3965,7 +4790,10 @@
     <p:bg>
       <p:bgPr>
         <a:solidFill>
-          <a:schemeClr val="accent6"/>
+          <a:schemeClr val="accent3">
+            <a:lumMod val="40000"/>
+            <a:lumOff val="60000"/>
+          </a:schemeClr>
         </a:solidFill>
         <a:effectLst/>
       </p:bgPr>
@@ -4085,10 +4913,183 @@
           <p:cNvPicPr>
             <a:picLocks noChangeAspect="1"/>
           </p:cNvPicPr>
+          <p:nvPr/>
+        </p:nvPicPr>
+        <p:blipFill>
+          <a:blip r:embed="rId14">
+            <a:extLst>
+              <a:ext uri="{28A0092B-C50C-407E-A947-70E740481C1C}">
+                <a14:useLocalDpi xmlns:a14="http://schemas.microsoft.com/office/drawing/2010/main" val="0"/>
+              </a:ext>
+            </a:extLst>
+          </a:blip>
+          <a:stretch>
+            <a:fillRect/>
+          </a:stretch>
+        </p:blipFill>
+        <p:spPr>
+          <a:xfrm>
+            <a:off x="10830515" y="5719725"/>
+            <a:ext cx="1046571" cy="914479"/>
+          </a:xfrm>
+          <a:prstGeom prst="rect">
+            <a:avLst/>
+          </a:prstGeom>
+        </p:spPr>
+      </p:pic>
+      <p:sp>
+        <p:nvSpPr>
+          <p:cNvPr id="4" name="Espace réservé du numéro de diapositive 3">
+            <a:extLst>
+              <a:ext uri="{FF2B5EF4-FFF2-40B4-BE49-F238E27FC236}">
+                <a16:creationId xmlns:a16="http://schemas.microsoft.com/office/drawing/2014/main" id="{FD73148E-CCCA-4F1F-A836-655D884BBFFF}"/>
+              </a:ext>
+            </a:extLst>
+          </p:cNvPr>
+          <p:cNvSpPr>
+            <a:spLocks noGrp="1"/>
+          </p:cNvSpPr>
+          <p:nvPr>
+            <p:ph type="sldNum" sz="quarter" idx="4"/>
+          </p:nvPr>
+        </p:nvSpPr>
+        <p:spPr>
+          <a:xfrm>
+            <a:off x="8610600" y="6359526"/>
+            <a:ext cx="2743200" cy="365125"/>
+          </a:xfrm>
+          <a:prstGeom prst="rect">
+            <a:avLst/>
+          </a:prstGeom>
+        </p:spPr>
+        <p:txBody>
+          <a:bodyPr vert="horz" lIns="91440" tIns="45720" rIns="91440" bIns="45720" rtlCol="0" anchor="ctr"/>
+          <a:lstStyle>
+            <a:lvl1pPr algn="r">
+              <a:defRPr sz="1200">
+                <a:solidFill>
+                  <a:schemeClr val="tx1">
+                    <a:tint val="75000"/>
+                  </a:schemeClr>
+                </a:solidFill>
+              </a:defRPr>
+            </a:lvl1pPr>
+          </a:lstStyle>
+          <a:p>
+            <a:fld id="{02C092ED-0E97-497E-99D9-BB9DD7276F53}" type="slidenum">
+              <a:rPr lang="fr-BE" smtClean="0"/>
+              <a:t>‹N°›</a:t>
+            </a:fld>
+            <a:endParaRPr lang="fr-BE"/>
+          </a:p>
+        </p:txBody>
+      </p:sp>
+      <p:sp>
+        <p:nvSpPr>
+          <p:cNvPr id="5" name="Espace réservé de la date 4">
+            <a:extLst>
+              <a:ext uri="{FF2B5EF4-FFF2-40B4-BE49-F238E27FC236}">
+                <a16:creationId xmlns:a16="http://schemas.microsoft.com/office/drawing/2014/main" id="{7E29B381-A1A5-FC30-27CA-947A2690386C}"/>
+              </a:ext>
+            </a:extLst>
+          </p:cNvPr>
+          <p:cNvSpPr>
+            <a:spLocks noGrp="1"/>
+          </p:cNvSpPr>
+          <p:nvPr>
+            <p:ph type="dt" sz="half" idx="2"/>
+          </p:nvPr>
+        </p:nvSpPr>
+        <p:spPr>
+          <a:xfrm>
+            <a:off x="838200" y="6356350"/>
+            <a:ext cx="2743200" cy="365125"/>
+          </a:xfrm>
+          <a:prstGeom prst="rect">
+            <a:avLst/>
+          </a:prstGeom>
+        </p:spPr>
+        <p:txBody>
+          <a:bodyPr vert="horz" lIns="91440" tIns="45720" rIns="91440" bIns="45720" rtlCol="0" anchor="ctr"/>
+          <a:lstStyle>
+            <a:lvl1pPr algn="l">
+              <a:defRPr sz="1200">
+                <a:solidFill>
+                  <a:schemeClr val="tx1">
+                    <a:tint val="75000"/>
+                  </a:schemeClr>
+                </a:solidFill>
+              </a:defRPr>
+            </a:lvl1pPr>
+          </a:lstStyle>
+          <a:p>
+            <a:fld id="{F3953782-D06E-4853-BE3C-64C197273937}" type="datetimeFigureOut">
+              <a:rPr lang="fr-BE" smtClean="0"/>
+              <a:t>27-01-25</a:t>
+            </a:fld>
+            <a:endParaRPr lang="fr-BE"/>
+          </a:p>
+        </p:txBody>
+      </p:sp>
+      <p:sp>
+        <p:nvSpPr>
+          <p:cNvPr id="6" name="Espace réservé du pied de page 5">
+            <a:extLst>
+              <a:ext uri="{FF2B5EF4-FFF2-40B4-BE49-F238E27FC236}">
+                <a16:creationId xmlns:a16="http://schemas.microsoft.com/office/drawing/2014/main" id="{7BFB2116-0A00-B6AB-43FF-F23B8EB09A31}"/>
+              </a:ext>
+            </a:extLst>
+          </p:cNvPr>
+          <p:cNvSpPr>
+            <a:spLocks noGrp="1"/>
+          </p:cNvSpPr>
+          <p:nvPr>
+            <p:ph type="ftr" sz="quarter" idx="3"/>
+          </p:nvPr>
+        </p:nvSpPr>
+        <p:spPr>
+          <a:xfrm>
+            <a:off x="4038600" y="6356350"/>
+            <a:ext cx="4114800" cy="365125"/>
+          </a:xfrm>
+          <a:prstGeom prst="rect">
+            <a:avLst/>
+          </a:prstGeom>
+        </p:spPr>
+        <p:txBody>
+          <a:bodyPr vert="horz" lIns="91440" tIns="45720" rIns="91440" bIns="45720" rtlCol="0" anchor="ctr"/>
+          <a:lstStyle>
+            <a:lvl1pPr algn="ctr">
+              <a:defRPr sz="1200">
+                <a:solidFill>
+                  <a:schemeClr val="tx1">
+                    <a:tint val="75000"/>
+                  </a:schemeClr>
+                </a:solidFill>
+              </a:defRPr>
+            </a:lvl1pPr>
+          </a:lstStyle>
+          <a:p>
+            <a:endParaRPr lang="fr-BE"/>
+          </a:p>
+        </p:txBody>
+      </p:sp>
+      <p:pic>
+        <p:nvPicPr>
+          <p:cNvPr id="7" name="Picture 7">
+            <a:extLst>
+              <a:ext uri="{FF2B5EF4-FFF2-40B4-BE49-F238E27FC236}">
+                <a16:creationId xmlns:a16="http://schemas.microsoft.com/office/drawing/2014/main" id="{F0B52217-A51A-6F31-1108-0E41AF07930F}"/>
+              </a:ext>
+            </a:extLst>
+          </p:cNvPr>
+          <p:cNvPicPr>
+            <a:picLocks noChangeAspect="1"/>
+          </p:cNvPicPr>
           <p:nvPr userDrawn="1"/>
         </p:nvPicPr>
         <p:blipFill>
-          <a:blip r:embed="rId13">
+          <a:blip r:embed="rId14">
             <a:extLst>
               <a:ext uri="{28A0092B-C50C-407E-A947-70E740481C1C}">
                 <a14:useLocalDpi xmlns:a14="http://schemas.microsoft.com/office/drawing/2010/main" val="0"/>
@@ -4112,23 +5113,24 @@
     </p:spTree>
     <p:extLst>
       <p:ext uri="{BB962C8B-B14F-4D97-AF65-F5344CB8AC3E}">
-        <p14:creationId xmlns:p14="http://schemas.microsoft.com/office/powerpoint/2010/main" val="87028773"/>
+        <p14:creationId xmlns:p14="http://schemas.microsoft.com/office/powerpoint/2010/main" val="2474909470"/>
       </p:ext>
     </p:extLst>
   </p:cSld>
   <p:clrMap bg1="lt1" tx1="dk1" bg2="lt2" tx2="dk2" accent1="accent1" accent2="accent2" accent3="accent3" accent4="accent4" accent5="accent5" accent6="accent6" hlink="hlink" folHlink="folHlink"/>
   <p:sldLayoutIdLst>
-    <p:sldLayoutId id="2147483844" r:id="rId1"/>
-    <p:sldLayoutId id="2147483845" r:id="rId2"/>
-    <p:sldLayoutId id="2147483853" r:id="rId3"/>
-    <p:sldLayoutId id="2147483852" r:id="rId4"/>
-    <p:sldLayoutId id="2147483847" r:id="rId5"/>
-    <p:sldLayoutId id="2147483848" r:id="rId6"/>
-    <p:sldLayoutId id="2147483849" r:id="rId7"/>
-    <p:sldLayoutId id="2147483850" r:id="rId8"/>
-    <p:sldLayoutId id="2147483851" r:id="rId9"/>
-    <p:sldLayoutId id="2147483854" r:id="rId10"/>
-    <p:sldLayoutId id="2147483855" r:id="rId11"/>
+    <p:sldLayoutId id="2147483857" r:id="rId1"/>
+    <p:sldLayoutId id="2147483858" r:id="rId2"/>
+    <p:sldLayoutId id="2147483859" r:id="rId3"/>
+    <p:sldLayoutId id="2147483860" r:id="rId4"/>
+    <p:sldLayoutId id="2147483861" r:id="rId5"/>
+    <p:sldLayoutId id="2147483862" r:id="rId6"/>
+    <p:sldLayoutId id="2147483863" r:id="rId7"/>
+    <p:sldLayoutId id="2147483864" r:id="rId8"/>
+    <p:sldLayoutId id="2147483865" r:id="rId9"/>
+    <p:sldLayoutId id="2147483866" r:id="rId10"/>
+    <p:sldLayoutId id="2147483853" r:id="rId11"/>
+    <p:sldLayoutId id="2147483852" r:id="rId12"/>
   </p:sldLayoutIdLst>
   <mc:AlternateContent xmlns:mc="http://schemas.openxmlformats.org/markup-compatibility/2006" xmlns:p14="http://schemas.microsoft.com/office/powerpoint/2010/main">
     <mc:Choice Requires="p14">
@@ -4227,8 +5229,13 @@
         <a:spcBef>
           <a:spcPts val="1000"/>
         </a:spcBef>
-        <a:buFont typeface="Arial" panose="020B0604020202020204" pitchFamily="34" charset="0"/>
-        <a:buChar char="•"/>
+        <a:buClr>
+          <a:schemeClr val="bg1">
+            <a:lumMod val="50000"/>
+          </a:schemeClr>
+        </a:buClr>
+        <a:buFont typeface="Wingdings" panose="05000000000000000000" pitchFamily="2" charset="2"/>
+        <a:buChar char="§"/>
         <a:defRPr sz="3600" kern="1200">
           <a:solidFill>
             <a:schemeClr val="tx1"/>
@@ -4245,8 +5252,13 @@
         <a:spcBef>
           <a:spcPts val="500"/>
         </a:spcBef>
-        <a:buFont typeface="Arial" panose="020B0604020202020204" pitchFamily="34" charset="0"/>
-        <a:buChar char="•"/>
+        <a:buClr>
+          <a:schemeClr val="bg1">
+            <a:lumMod val="50000"/>
+          </a:schemeClr>
+        </a:buClr>
+        <a:buFont typeface="Wingdings" panose="05000000000000000000" pitchFamily="2" charset="2"/>
+        <a:buChar char="§"/>
         <a:defRPr sz="3200" kern="1200">
           <a:solidFill>
             <a:schemeClr val="tx1"/>
@@ -4263,8 +5275,13 @@
         <a:spcBef>
           <a:spcPts val="500"/>
         </a:spcBef>
-        <a:buFont typeface="Arial" panose="020B0604020202020204" pitchFamily="34" charset="0"/>
-        <a:buChar char="•"/>
+        <a:buClr>
+          <a:schemeClr val="bg1">
+            <a:lumMod val="50000"/>
+          </a:schemeClr>
+        </a:buClr>
+        <a:buFont typeface="Wingdings" panose="05000000000000000000" pitchFamily="2" charset="2"/>
+        <a:buChar char="§"/>
         <a:defRPr sz="2800" kern="1200">
           <a:solidFill>
             <a:schemeClr val="tx1"/>
@@ -4281,8 +5298,13 @@
         <a:spcBef>
           <a:spcPts val="500"/>
         </a:spcBef>
-        <a:buFont typeface="Arial" panose="020B0604020202020204" pitchFamily="34" charset="0"/>
-        <a:buChar char="•"/>
+        <a:buClr>
+          <a:schemeClr val="bg1">
+            <a:lumMod val="50000"/>
+          </a:schemeClr>
+        </a:buClr>
+        <a:buFont typeface="Wingdings" panose="05000000000000000000" pitchFamily="2" charset="2"/>
+        <a:buChar char="§"/>
         <a:defRPr sz="2400" kern="1200">
           <a:solidFill>
             <a:schemeClr val="tx1"/>
@@ -4299,8 +5321,13 @@
         <a:spcBef>
           <a:spcPts val="500"/>
         </a:spcBef>
-        <a:buFont typeface="Arial" panose="020B0604020202020204" pitchFamily="34" charset="0"/>
-        <a:buChar char="•"/>
+        <a:buClr>
+          <a:schemeClr val="bg1">
+            <a:lumMod val="50000"/>
+          </a:schemeClr>
+        </a:buClr>
+        <a:buFont typeface="Wingdings" panose="05000000000000000000" pitchFamily="2" charset="2"/>
+        <a:buChar char="§"/>
         <a:defRPr sz="2400" kern="1200">
           <a:solidFill>
             <a:schemeClr val="tx1"/>
@@ -4563,19 +5590,16 @@
           </a:p>
           <a:p>
             <a:r>
-              <a:rPr lang="fr-BE" sz="3200" dirty="0"/>
-              <a:t>Code FWB : 7534 30 U32 D1</a:t>
-            </a:r>
-          </a:p>
-          <a:p>
-            <a:r>
-              <a:rPr lang="fr-BE" sz="3200" dirty="0"/>
-              <a:t>Code ISFCE : 4IPDW</a:t>
-            </a:r>
-            <a:endParaRPr lang="fr-FR" sz="3200" dirty="0"/>
-          </a:p>
-          <a:p>
-            <a:endParaRPr lang="fr-FR" sz="3200" dirty="0"/>
+              <a:rPr lang="fr-BE" sz="3200"/>
+              <a:t>Code FWB : 7534 30 U32 D3</a:t>
+            </a:r>
+          </a:p>
+          <a:p>
+            <a:r>
+              <a:rPr lang="fr-BE" sz="3200"/>
+              <a:t>Code ISFCE : 4IPW3</a:t>
+            </a:r>
+            <a:endParaRPr lang="fr-FR" sz="3200"/>
           </a:p>
         </p:txBody>
       </p:sp>
@@ -4715,7 +5739,7 @@
             <a:pPr lvl="1"/>
             <a:r>
               <a:rPr lang="fr-BE"/>
-              <a:t>2023 : Version 3.6.3</a:t>
+              <a:t>2025 : Version stable 3.7.1</a:t>
             </a:r>
             <a:endParaRPr lang="fr-BE" dirty="0"/>
           </a:p>
@@ -4974,7 +5998,7 @@
         <p:spPr/>
         <p:txBody>
           <a:bodyPr>
-            <a:normAutofit/>
+            <a:normAutofit lnSpcReduction="10000"/>
           </a:bodyPr>
           <a:lstStyle/>
           <a:p>
@@ -4990,37 +6014,37 @@
               <a:t>Soit sous </a:t>
             </a:r>
             <a:r>
-              <a:rPr lang="fr-BE" b="1" dirty="0">
-                <a:solidFill>
-                  <a:schemeClr val="accent6">
-                    <a:lumMod val="50000"/>
-                  </a:schemeClr>
-                </a:solidFill>
-                <a:latin typeface="Courier New" panose="02070309020205020404" pitchFamily="49" charset="0"/>
+              <a:rPr lang="fr-BE" dirty="0">
+                <a:solidFill>
+                  <a:schemeClr val="accent6">
+                    <a:lumMod val="50000"/>
+                  </a:schemeClr>
+                </a:solidFill>
+                <a:latin typeface="Consolas" panose="020B0609020204030204" pitchFamily="49" charset="0"/>
                 <a:cs typeface="Courier New" panose="02070309020205020404" pitchFamily="49" charset="0"/>
               </a:rPr>
               <a:t>&lt;</a:t>
             </a:r>
             <a:r>
-              <a:rPr lang="fr-BE" b="1" dirty="0" err="1">
-                <a:solidFill>
-                  <a:schemeClr val="accent6">
-                    <a:lumMod val="50000"/>
-                  </a:schemeClr>
-                </a:solidFill>
-                <a:latin typeface="Courier New" panose="02070309020205020404" pitchFamily="49" charset="0"/>
+              <a:rPr lang="fr-BE" dirty="0" err="1">
+                <a:solidFill>
+                  <a:schemeClr val="accent6">
+                    <a:lumMod val="50000"/>
+                  </a:schemeClr>
+                </a:solidFill>
+                <a:latin typeface="Consolas" panose="020B0609020204030204" pitchFamily="49" charset="0"/>
                 <a:cs typeface="Courier New" panose="02070309020205020404" pitchFamily="49" charset="0"/>
               </a:rPr>
               <a:t>head</a:t>
             </a:r>
             <a:r>
-              <a:rPr lang="fr-BE" b="1" dirty="0">
-                <a:solidFill>
-                  <a:schemeClr val="accent6">
-                    <a:lumMod val="50000"/>
-                  </a:schemeClr>
-                </a:solidFill>
-                <a:latin typeface="Courier New" panose="02070309020205020404" pitchFamily="49" charset="0"/>
+              <a:rPr lang="fr-BE" dirty="0">
+                <a:solidFill>
+                  <a:schemeClr val="accent6">
+                    <a:lumMod val="50000"/>
+                  </a:schemeClr>
+                </a:solidFill>
+                <a:latin typeface="Consolas" panose="020B0609020204030204" pitchFamily="49" charset="0"/>
                 <a:cs typeface="Courier New" panose="02070309020205020404" pitchFamily="49" charset="0"/>
               </a:rPr>
               <a:t>&gt;&lt;script&gt;…</a:t>
@@ -5040,13 +6064,13 @@
               <a:t>Soit en fin de </a:t>
             </a:r>
             <a:r>
-              <a:rPr lang="fr-BE" b="1" dirty="0">
-                <a:solidFill>
-                  <a:schemeClr val="accent6">
-                    <a:lumMod val="50000"/>
-                  </a:schemeClr>
-                </a:solidFill>
-                <a:latin typeface="Courier New" panose="02070309020205020404" pitchFamily="49" charset="0"/>
+              <a:rPr lang="fr-BE" dirty="0">
+                <a:solidFill>
+                  <a:schemeClr val="accent6">
+                    <a:lumMod val="50000"/>
+                  </a:schemeClr>
+                </a:solidFill>
+                <a:latin typeface="Consolas" panose="020B0609020204030204" pitchFamily="49" charset="0"/>
                 <a:cs typeface="Courier New" panose="02070309020205020404" pitchFamily="49" charset="0"/>
               </a:rPr>
               <a:t>&lt;body&gt;</a:t>
@@ -5064,17 +6088,70 @@
               <a:buNone/>
             </a:pPr>
             <a:r>
-              <a:rPr lang="fr-BE" sz="3200" b="1" dirty="0">
-                <a:solidFill>
-                  <a:schemeClr val="accent6">
-                    <a:lumMod val="50000"/>
-                  </a:schemeClr>
-                </a:solidFill>
-                <a:latin typeface="Courier New" panose="02070309020205020404" pitchFamily="49" charset="0"/>
+              <a:rPr lang="fr-BE">
+                <a:solidFill>
+                  <a:schemeClr val="accent6">
+                    <a:lumMod val="50000"/>
+                  </a:schemeClr>
+                </a:solidFill>
+                <a:latin typeface="Consolas" panose="020B0609020204030204" pitchFamily="49" charset="0"/>
                 <a:cs typeface="Courier New" panose="02070309020205020404" pitchFamily="49" charset="0"/>
               </a:rPr>
               <a:t>&lt;script src="mon-script.js"&gt;&lt;/script&gt;</a:t>
             </a:r>
+          </a:p>
+          <a:p>
+            <a:pPr lvl="1"/>
+            <a:r>
+              <a:rPr lang="fr-BE"/>
+              <a:t>Hint: attribut </a:t>
+            </a:r>
+            <a:r>
+              <a:rPr lang="fr-BE">
+                <a:solidFill>
+                  <a:schemeClr val="accent6">
+                    <a:lumMod val="50000"/>
+                  </a:schemeClr>
+                </a:solidFill>
+                <a:latin typeface="Consolas" panose="020B0609020204030204" pitchFamily="49" charset="0"/>
+              </a:rPr>
+              <a:t>defer</a:t>
+            </a:r>
+            <a:r>
+              <a:rPr lang="fr-BE"/>
+              <a:t> </a:t>
+            </a:r>
+          </a:p>
+          <a:p>
+            <a:pPr lvl="2"/>
+            <a:r>
+              <a:rPr lang="fr-BE"/>
+              <a:t>pour différer l'exécution du Javascript </a:t>
+            </a:r>
+          </a:p>
+          <a:p>
+            <a:pPr marL="914377" lvl="2" indent="0">
+              <a:buNone/>
+            </a:pPr>
+            <a:r>
+              <a:rPr lang="fr-BE">
+                <a:solidFill>
+                  <a:schemeClr val="accent6">
+                    <a:lumMod val="50000"/>
+                  </a:schemeClr>
+                </a:solidFill>
+                <a:latin typeface="Consolas" panose="020B0609020204030204" pitchFamily="49" charset="0"/>
+              </a:rPr>
+              <a:t>&lt;script defer src="mon-script.js"&gt;&lt;/script&gt;</a:t>
+            </a:r>
+            <a:endParaRPr lang="fr-BE" dirty="0">
+              <a:solidFill>
+                <a:schemeClr val="accent6">
+                  <a:lumMod val="50000"/>
+                </a:schemeClr>
+              </a:solidFill>
+              <a:latin typeface="Consolas" panose="020B0609020204030204" pitchFamily="49" charset="0"/>
+            </a:endParaRPr>
           </a:p>
           <a:p>
             <a:pPr lvl="1"/>
@@ -5168,15 +6245,20 @@
             <p:ph idx="1"/>
           </p:nvPr>
         </p:nvSpPr>
-        <p:spPr/>
+        <p:spPr>
+          <a:xfrm>
+            <a:off x="838200" y="1690688"/>
+            <a:ext cx="10515600" cy="5167311"/>
+          </a:xfrm>
+        </p:spPr>
         <p:txBody>
           <a:bodyPr numCol="1">
-            <a:normAutofit fontScale="62500" lnSpcReduction="20000"/>
+            <a:normAutofit fontScale="92500" lnSpcReduction="10000"/>
           </a:bodyPr>
           <a:lstStyle/>
           <a:p>
             <a:r>
-              <a:rPr lang="fr-BE" dirty="0"/>
+              <a:rPr lang="fr-BE" sz="2800" dirty="0"/>
               <a:t>Déclaration jQuery</a:t>
             </a:r>
           </a:p>
@@ -5185,7 +6267,7 @@
               <a:buNone/>
             </a:pPr>
             <a:r>
-              <a:rPr lang="fr-BE" b="1" dirty="0">
+              <a:rPr lang="fr-BE" sz="2400" b="1" dirty="0">
                 <a:solidFill>
                   <a:schemeClr val="accent6">
                     <a:lumMod val="50000"/>
@@ -5199,7 +6281,7 @@
           </a:p>
           <a:p>
             <a:r>
-              <a:rPr lang="fr-BE" dirty="0"/>
+              <a:rPr lang="fr-BE" sz="2800" dirty="0"/>
               <a:t>Fonctions</a:t>
             </a:r>
           </a:p>
@@ -5208,7 +6290,7 @@
               <a:buNone/>
             </a:pPr>
             <a:r>
-              <a:rPr lang="fr-BE" sz="3100" b="1" dirty="0">
+              <a:rPr lang="fr-BE" sz="2400" b="1" dirty="0">
                 <a:solidFill>
                   <a:schemeClr val="accent6">
                     <a:lumMod val="50000"/>
@@ -5220,7 +6302,7 @@
               <a:t>&lt;script&gt;</a:t>
             </a:r>
             <a:br>
-              <a:rPr lang="fr-BE" sz="3100" b="1" dirty="0">
+              <a:rPr lang="fr-BE" sz="2400" b="1" dirty="0">
                 <a:solidFill>
                   <a:schemeClr val="accent6">
                     <a:lumMod val="50000"/>
@@ -5231,7 +6313,7 @@
               </a:rPr>
             </a:br>
             <a:r>
-              <a:rPr lang="fr-BE" sz="3100" b="1" dirty="0">
+              <a:rPr lang="fr-BE" sz="2400" b="1" dirty="0">
                 <a:solidFill>
                   <a:schemeClr val="accent6">
                     <a:lumMod val="50000"/>
@@ -5243,7 +6325,7 @@
               <a:t>	</a:t>
             </a:r>
             <a:r>
-              <a:rPr lang="fr-BE" sz="3100" b="1" dirty="0" err="1">
+              <a:rPr lang="fr-BE" sz="2400" b="1" dirty="0" err="1">
                 <a:solidFill>
                   <a:schemeClr val="accent6">
                     <a:lumMod val="50000"/>
@@ -5255,7 +6337,7 @@
               <a:t>function</a:t>
             </a:r>
             <a:r>
-              <a:rPr lang="fr-BE" sz="3100" b="1" dirty="0">
+              <a:rPr lang="fr-BE" sz="2400" b="1" dirty="0">
                 <a:solidFill>
                   <a:schemeClr val="accent6">
                     <a:lumMod val="50000"/>
@@ -5267,7 +6349,7 @@
               <a:t> </a:t>
             </a:r>
             <a:r>
-              <a:rPr lang="fr-BE" sz="3100" b="1" dirty="0" err="1">
+              <a:rPr lang="fr-BE" sz="2400" b="1" dirty="0" err="1">
                 <a:solidFill>
                   <a:schemeClr val="accent6">
                     <a:lumMod val="50000"/>
@@ -5279,7 +6361,7 @@
               <a:t>ma_fonction</a:t>
             </a:r>
             <a:r>
-              <a:rPr lang="fr-BE" sz="3100" b="1" dirty="0">
+              <a:rPr lang="fr-BE" sz="2400" b="1" dirty="0">
                 <a:solidFill>
                   <a:schemeClr val="accent6">
                     <a:lumMod val="50000"/>
@@ -5291,7 +6373,7 @@
               <a:t>() </a:t>
             </a:r>
             <a:br>
-              <a:rPr lang="fr-BE" sz="3100" b="1" dirty="0">
+              <a:rPr lang="fr-BE" sz="2400" b="1" dirty="0">
                 <a:solidFill>
                   <a:schemeClr val="accent6">
                     <a:lumMod val="50000"/>
@@ -5302,7 +6384,7 @@
               </a:rPr>
             </a:br>
             <a:r>
-              <a:rPr lang="fr-BE" sz="3100" b="1" dirty="0">
+              <a:rPr lang="fr-BE" sz="2400" b="1" dirty="0">
                 <a:solidFill>
                   <a:schemeClr val="accent6">
                     <a:lumMod val="50000"/>
@@ -5314,7 +6396,7 @@
               <a:t>	{</a:t>
             </a:r>
             <a:br>
-              <a:rPr lang="fr-BE" sz="3100" b="1" dirty="0">
+              <a:rPr lang="fr-BE" sz="2400" b="1" dirty="0">
                 <a:solidFill>
                   <a:schemeClr val="accent6">
                     <a:lumMod val="50000"/>
@@ -5325,7 +6407,7 @@
               </a:rPr>
             </a:br>
             <a:r>
-              <a:rPr lang="fr-BE" sz="3100" b="1" dirty="0">
+              <a:rPr lang="fr-BE" sz="2400" b="1" dirty="0">
                 <a:solidFill>
                   <a:schemeClr val="accent6">
                     <a:lumMod val="50000"/>
@@ -5337,7 +6419,7 @@
               <a:t>		///</a:t>
             </a:r>
             <a:br>
-              <a:rPr lang="fr-BE" sz="3100" b="1" dirty="0">
+              <a:rPr lang="fr-BE" sz="2400" b="1" dirty="0">
                 <a:solidFill>
                   <a:schemeClr val="accent6">
                     <a:lumMod val="50000"/>
@@ -5348,7 +6430,7 @@
               </a:rPr>
             </a:br>
             <a:r>
-              <a:rPr lang="fr-BE" sz="3100" b="1" dirty="0">
+              <a:rPr lang="fr-BE" sz="2400" b="1" dirty="0">
                 <a:solidFill>
                   <a:schemeClr val="accent6">
                     <a:lumMod val="50000"/>
@@ -5365,7 +6447,7 @@
               <a:buNone/>
             </a:pPr>
             <a:r>
-              <a:rPr lang="fr-BE" sz="3100" b="1" dirty="0">
+              <a:rPr lang="fr-BE" sz="2400" b="1" dirty="0">
                 <a:solidFill>
                   <a:schemeClr val="accent6">
                     <a:lumMod val="50000"/>
@@ -5379,15 +6461,15 @@
           </a:p>
           <a:p>
             <a:r>
-              <a:rPr lang="fr-BE" dirty="0"/>
+              <a:rPr lang="fr-BE" sz="2800" dirty="0"/>
               <a:t>Fonction "DOM </a:t>
             </a:r>
             <a:r>
-              <a:rPr lang="fr-BE" dirty="0" err="1"/>
+              <a:rPr lang="fr-BE" sz="2800" dirty="0" err="1"/>
               <a:t>ready</a:t>
             </a:r>
             <a:r>
-              <a:rPr lang="fr-BE" dirty="0"/>
+              <a:rPr lang="fr-BE" sz="2800" dirty="0"/>
               <a:t>", à exécuter juste après le chargement de la page 	</a:t>
             </a:r>
           </a:p>
@@ -5396,7 +6478,7 @@
               <a:buNone/>
             </a:pPr>
             <a:r>
-              <a:rPr lang="fr-BE" sz="3100" b="1">
+              <a:rPr lang="fr-BE" sz="2400" b="1">
                 <a:solidFill>
                   <a:schemeClr val="accent6">
                     <a:lumMod val="50000"/>
@@ -5408,7 +6490,7 @@
               <a:t>&lt;script</a:t>
             </a:r>
             <a:r>
-              <a:rPr lang="fr-BE" sz="3100" b="1" dirty="0">
+              <a:rPr lang="fr-BE" sz="2400" b="1" dirty="0">
                 <a:solidFill>
                   <a:schemeClr val="accent6">
                     <a:lumMod val="50000"/>
@@ -5425,7 +6507,7 @@
               <a:buNone/>
             </a:pPr>
             <a:r>
-              <a:rPr lang="fr-BE" sz="3100" b="1" dirty="0">
+              <a:rPr lang="fr-BE" sz="2400" b="1" dirty="0">
                 <a:solidFill>
                   <a:schemeClr val="accent6">
                     <a:lumMod val="50000"/>
@@ -5437,7 +6519,7 @@
               <a:t>	$(</a:t>
             </a:r>
             <a:r>
-              <a:rPr lang="fr-BE" sz="3100" b="1" dirty="0" err="1">
+              <a:rPr lang="fr-BE" sz="2400" b="1" dirty="0" err="1">
                 <a:solidFill>
                   <a:schemeClr val="accent6">
                     <a:lumMod val="50000"/>
@@ -5449,7 +6531,7 @@
               <a:t>function</a:t>
             </a:r>
             <a:r>
-              <a:rPr lang="fr-BE" sz="3100" b="1" dirty="0">
+              <a:rPr lang="fr-BE" sz="2400" b="1" dirty="0">
                 <a:solidFill>
                   <a:schemeClr val="accent6">
                     <a:lumMod val="50000"/>
@@ -5461,7 +6543,7 @@
               <a:t>()</a:t>
             </a:r>
             <a:br>
-              <a:rPr lang="fr-BE" sz="3100" b="1" dirty="0">
+              <a:rPr lang="fr-BE" sz="2400" b="1" dirty="0">
                 <a:solidFill>
                   <a:schemeClr val="accent6">
                     <a:lumMod val="50000"/>
@@ -5472,7 +6554,7 @@
               </a:rPr>
             </a:br>
             <a:r>
-              <a:rPr lang="fr-BE" sz="3100" b="1" dirty="0">
+              <a:rPr lang="fr-BE" sz="2400" b="1" dirty="0">
                 <a:solidFill>
                   <a:schemeClr val="accent6">
                     <a:lumMod val="50000"/>
@@ -5484,7 +6566,7 @@
               <a:t>	{</a:t>
             </a:r>
             <a:br>
-              <a:rPr lang="fr-BE" sz="3100" b="1" dirty="0">
+              <a:rPr lang="fr-BE" sz="2400" b="1" dirty="0">
                 <a:solidFill>
                   <a:schemeClr val="accent6">
                     <a:lumMod val="50000"/>
@@ -5495,7 +6577,7 @@
               </a:rPr>
             </a:br>
             <a:r>
-              <a:rPr lang="fr-BE" sz="3100" b="1" dirty="0">
+              <a:rPr lang="fr-BE" sz="2400" b="1" dirty="0">
                 <a:solidFill>
                   <a:schemeClr val="accent6">
                     <a:lumMod val="50000"/>
@@ -5507,7 +6589,7 @@
               <a:t>		///</a:t>
             </a:r>
             <a:br>
-              <a:rPr lang="fr-BE" sz="3100" b="1" dirty="0">
+              <a:rPr lang="fr-BE" sz="2400" b="1" dirty="0">
                 <a:solidFill>
                   <a:schemeClr val="accent6">
                     <a:lumMod val="50000"/>
@@ -5518,7 +6600,7 @@
               </a:rPr>
             </a:br>
             <a:r>
-              <a:rPr lang="fr-BE" sz="3100" b="1">
+              <a:rPr lang="fr-BE" sz="2400" b="1">
                 <a:solidFill>
                   <a:schemeClr val="accent6">
                     <a:lumMod val="50000"/>
@@ -5530,7 +6612,7 @@
               <a:t>	});</a:t>
             </a:r>
             <a:br>
-              <a:rPr lang="fr-BE" sz="3100" b="1" dirty="0">
+              <a:rPr lang="fr-BE" sz="2400" b="1" dirty="0">
                 <a:solidFill>
                   <a:schemeClr val="accent6">
                     <a:lumMod val="50000"/>
@@ -5541,7 +6623,7 @@
               </a:rPr>
             </a:br>
             <a:r>
-              <a:rPr lang="fr-BE" sz="3100" b="1" dirty="0">
+              <a:rPr lang="fr-BE" sz="2400" b="1" dirty="0">
                 <a:solidFill>
                   <a:schemeClr val="accent6">
                     <a:lumMod val="50000"/>
@@ -8036,10 +9118,6 @@
           </p:nvPr>
         </p:nvSpPr>
         <p:spPr>
-          <a:xfrm>
-            <a:off x="839788" y="365125"/>
-            <a:ext cx="10515600" cy="1325563"/>
-          </a:xfrm>
           <a:noFill/>
           <a:ln>
             <a:noFill/>
@@ -8070,10 +9148,6 @@
           </p:nvPr>
         </p:nvSpPr>
         <p:spPr>
-          <a:xfrm>
-            <a:off x="839788" y="1681163"/>
-            <a:ext cx="3420000" cy="823912"/>
-          </a:xfrm>
           <a:noFill/>
           <a:ln>
             <a:noFill/>
@@ -8109,12 +9183,7 @@
             <p:ph type="body" idx="2"/>
           </p:nvPr>
         </p:nvSpPr>
-        <p:spPr>
-          <a:xfrm>
-            <a:off x="839788" y="2505075"/>
-            <a:ext cx="3419999" cy="3684588"/>
-          </a:xfrm>
-        </p:spPr>
+        <p:spPr/>
         <p:txBody>
           <a:bodyPr>
             <a:normAutofit/>
@@ -8171,12 +9240,7 @@
             <p:ph type="body" idx="3"/>
           </p:nvPr>
         </p:nvSpPr>
-        <p:spPr>
-          <a:xfrm>
-            <a:off x="4394864" y="1677195"/>
-            <a:ext cx="3420000" cy="823912"/>
-          </a:xfrm>
-        </p:spPr>
+        <p:spPr/>
         <p:txBody>
           <a:bodyPr anchor="t"/>
           <a:lstStyle/>
@@ -8205,12 +9269,7 @@
             <p:ph type="body" idx="4"/>
           </p:nvPr>
         </p:nvSpPr>
-        <p:spPr>
-          <a:xfrm>
-            <a:off x="4394863" y="2501107"/>
-            <a:ext cx="3419999" cy="3684588"/>
-          </a:xfrm>
-        </p:spPr>
+        <p:spPr/>
         <p:txBody>
           <a:bodyPr>
             <a:normAutofit/>
@@ -8266,7 +9325,11 @@
               <a:buNone/>
             </a:pPr>
             <a:r>
-              <a:rPr lang="fr-BE" sz="2400"/>
+              <a:rPr lang="fr-BE" sz="2400">
+                <a:solidFill>
+                  <a:schemeClr val="accent2"/>
+                </a:solidFill>
+              </a:rPr>
               <a:t>18. Framework jQuery</a:t>
             </a:r>
           </a:p>
@@ -8297,12 +9360,7 @@
             <p:ph type="body" idx="10"/>
           </p:nvPr>
         </p:nvSpPr>
-        <p:spPr>
-          <a:xfrm>
-            <a:off x="7949940" y="1690688"/>
-            <a:ext cx="3420000" cy="823912"/>
-          </a:xfrm>
-        </p:spPr>
+        <p:spPr/>
         <p:txBody>
           <a:bodyPr anchor="t"/>
           <a:lstStyle/>
@@ -8330,12 +9388,7 @@
             <p:ph type="body" idx="11"/>
           </p:nvPr>
         </p:nvSpPr>
-        <p:spPr>
-          <a:xfrm>
-            <a:off x="7949937" y="2529543"/>
-            <a:ext cx="3433923" cy="3684588"/>
-          </a:xfrm>
-        </p:spPr>
+        <p:spPr/>
         <p:txBody>
           <a:bodyPr>
             <a:normAutofit/>
@@ -8414,7 +9467,7 @@
         <p14:reveal/>
       </p:transition>
     </mc:Choice>
-    <mc:Fallback xmlns:ahyp="http://schemas.microsoft.com/office/drawing/2018/hyperlinkcolor" xmlns:p15="http://schemas.microsoft.com/office/powerpoint/2012/main" xmlns:com="http://schemas.openxmlformats.org/drawingml/2006/compatibility" xmlns:pvml="urn:schemas-microsoft-com:office:powerpoint" xmlns:v="urn:schemas-microsoft-com:vml" xmlns:o="urn:schemas-microsoft-com:office:office" xmlns:dgm="http://schemas.openxmlformats.org/drawingml/2006/diagram" xmlns:c="http://schemas.openxmlformats.org/drawingml/2006/chart" xmlns:mv="urn:schemas-microsoft-com:mac:vml" xmlns="">
+    <mc:Fallback xmlns="" xmlns:mv="urn:schemas-microsoft-com:mac:vml" xmlns:c="http://schemas.openxmlformats.org/drawingml/2006/chart" xmlns:dgm="http://schemas.openxmlformats.org/drawingml/2006/diagram" xmlns:o="urn:schemas-microsoft-com:office:office" xmlns:v="urn:schemas-microsoft-com:vml" xmlns:pvml="urn:schemas-microsoft-com:office:powerpoint" xmlns:com="http://schemas.openxmlformats.org/drawingml/2006/compatibility" xmlns:p15="http://schemas.microsoft.com/office/powerpoint/2012/main" xmlns:ahyp="http://schemas.microsoft.com/office/drawing/2018/hyperlinkcolor">
       <p:transition spd="med">
         <p:fade/>
       </p:transition>
@@ -9489,6 +10542,18 @@
           <a:lstStyle/>
           <a:p>
             <a:r>
+              <a:rPr lang="en-US" b="1">
+                <a:solidFill>
+                  <a:schemeClr val="accent6">
+                    <a:lumMod val="50000"/>
+                  </a:schemeClr>
+                </a:solidFill>
+                <a:latin typeface="Courier New" panose="02070309020205020404" pitchFamily="49" charset="0"/>
+                <a:cs typeface="Courier New" panose="02070309020205020404" pitchFamily="49" charset="0"/>
+              </a:rPr>
+              <a:t>const </a:t>
+            </a:r>
+            <a:r>
               <a:rPr lang="en-US" b="1" dirty="0">
                 <a:solidFill>
                   <a:schemeClr val="accent6">
@@ -9498,7 +10563,7 @@
                 <a:latin typeface="Courier New" panose="02070309020205020404" pitchFamily="49" charset="0"/>
                 <a:cs typeface="Courier New" panose="02070309020205020404" pitchFamily="49" charset="0"/>
               </a:rPr>
-              <a:t>var fs = $('h2').</a:t>
+              <a:t>fs = $('h2').</a:t>
             </a:r>
             <a:r>
               <a:rPr lang="en-US" b="1" dirty="0" err="1">
@@ -11928,8 +12993,8 @@
         </p:blipFill>
         <p:spPr bwMode="auto">
           <a:xfrm>
-            <a:off x="7718425" y="299782"/>
-            <a:ext cx="4168775" cy="1046163"/>
+            <a:off x="8023225" y="300038"/>
+            <a:ext cx="4168775" cy="1046162"/>
           </a:xfrm>
           <a:prstGeom prst="rect">
             <a:avLst/>
@@ -12322,10 +13387,15 @@
             <p:ph idx="1"/>
           </p:nvPr>
         </p:nvSpPr>
-        <p:spPr/>
+        <p:spPr>
+          <a:xfrm>
+            <a:off x="838200" y="1690688"/>
+            <a:ext cx="10515600" cy="5167311"/>
+          </a:xfrm>
+        </p:spPr>
         <p:txBody>
           <a:bodyPr>
-            <a:normAutofit fontScale="55000" lnSpcReduction="20000"/>
+            <a:normAutofit fontScale="70000" lnSpcReduction="20000"/>
           </a:bodyPr>
           <a:lstStyle/>
           <a:p>
@@ -12919,7 +13989,9 @@
             <a:r>
               <a:rPr lang="fr-BE" dirty="0">
                 <a:solidFill>
-                  <a:srgbClr val="008000"/>
+                  <a:schemeClr val="bg1">
+                    <a:lumMod val="50000"/>
+                  </a:schemeClr>
                 </a:solidFill>
                 <a:latin typeface="Courier New" panose="02070309020205020404" pitchFamily="49" charset="0"/>
                 <a:cs typeface="Courier New" panose="02070309020205020404" pitchFamily="49" charset="0"/>
@@ -13069,12 +14141,92 @@
             <a:r>
               <a:rPr lang="fr-BE" dirty="0">
                 <a:solidFill>
-                  <a:srgbClr val="008000"/>
+                  <a:schemeClr val="bg1">
+                    <a:lumMod val="50000"/>
+                  </a:schemeClr>
                 </a:solidFill>
                 <a:latin typeface="Courier New" panose="02070309020205020404" pitchFamily="49" charset="0"/>
                 <a:cs typeface="Courier New" panose="02070309020205020404" pitchFamily="49" charset="0"/>
               </a:rPr>
               <a:t>// données en question</a:t>
+            </a:r>
+          </a:p>
+          <a:p>
+            <a:pPr marL="0" indent="0" defTabSz="363538">
+              <a:spcBef>
+                <a:spcPts val="0"/>
+              </a:spcBef>
+              <a:buNone/>
+            </a:pPr>
+            <a:r>
+              <a:rPr lang="fr-BE" b="1" dirty="0">
+                <a:solidFill>
+                  <a:srgbClr val="000080"/>
+                </a:solidFill>
+                <a:latin typeface="Courier New" panose="02070309020205020404" pitchFamily="49" charset="0"/>
+                <a:cs typeface="Courier New" panose="02070309020205020404" pitchFamily="49" charset="0"/>
+              </a:rPr>
+              <a:t>var</a:t>
+            </a:r>
+            <a:r>
+              <a:rPr lang="fr-BE" dirty="0">
+                <a:solidFill>
+                  <a:srgbClr val="000000"/>
+                </a:solidFill>
+                <a:latin typeface="Courier New" panose="02070309020205020404" pitchFamily="49" charset="0"/>
+                <a:cs typeface="Courier New" panose="02070309020205020404" pitchFamily="49" charset="0"/>
+              </a:rPr>
+              <a:t> </a:t>
+            </a:r>
+            <a:r>
+              <a:rPr lang="fr-BE" dirty="0" err="1">
+                <a:solidFill>
+                  <a:srgbClr val="000000"/>
+                </a:solidFill>
+                <a:latin typeface="Courier New" panose="02070309020205020404" pitchFamily="49" charset="0"/>
+                <a:cs typeface="Courier New" panose="02070309020205020404" pitchFamily="49" charset="0"/>
+              </a:rPr>
+              <a:t>grandfather_json</a:t>
+            </a:r>
+            <a:r>
+              <a:rPr lang="fr-BE" dirty="0">
+                <a:solidFill>
+                  <a:srgbClr val="000000"/>
+                </a:solidFill>
+                <a:latin typeface="Courier New" panose="02070309020205020404" pitchFamily="49" charset="0"/>
+                <a:cs typeface="Courier New" panose="02070309020205020404" pitchFamily="49" charset="0"/>
+              </a:rPr>
+              <a:t> </a:t>
+            </a:r>
+            <a:r>
+              <a:rPr lang="fr-BE" b="1" dirty="0">
+                <a:solidFill>
+                  <a:srgbClr val="000000"/>
+                </a:solidFill>
+                <a:latin typeface="Courier New" panose="02070309020205020404" pitchFamily="49" charset="0"/>
+                <a:cs typeface="Courier New" panose="02070309020205020404" pitchFamily="49" charset="0"/>
+              </a:rPr>
+              <a:t>=</a:t>
+            </a:r>
+            <a:r>
+              <a:rPr lang="fr-BE" dirty="0">
+                <a:solidFill>
+                  <a:srgbClr val="000000"/>
+                </a:solidFill>
+                <a:latin typeface="Courier New" panose="02070309020205020404" pitchFamily="49" charset="0"/>
+                <a:cs typeface="Courier New" panose="02070309020205020404" pitchFamily="49" charset="0"/>
+              </a:rPr>
+              <a:t> </a:t>
+            </a:r>
+            <a:r>
+              <a:rPr lang="fr-BE" b="1" dirty="0">
+                <a:solidFill>
+                  <a:srgbClr val="000000"/>
+                </a:solidFill>
+                <a:latin typeface="Courier New" panose="02070309020205020404" pitchFamily="49" charset="0"/>
+                <a:cs typeface="Courier New" panose="02070309020205020404" pitchFamily="49" charset="0"/>
+              </a:rPr>
+              <a:t>{</a:t>
             </a:r>
             <a:endParaRPr lang="fr-BE" dirty="0">
               <a:solidFill>
@@ -13092,16 +14244,6 @@
               <a:buNone/>
             </a:pPr>
             <a:r>
-              <a:rPr lang="fr-BE" b="1" dirty="0">
-                <a:solidFill>
-                  <a:srgbClr val="000080"/>
-                </a:solidFill>
-                <a:latin typeface="Courier New" panose="02070309020205020404" pitchFamily="49" charset="0"/>
-                <a:cs typeface="Courier New" panose="02070309020205020404" pitchFamily="49" charset="0"/>
-              </a:rPr>
-              <a:t>var</a:t>
-            </a:r>
-            <a:r>
               <a:rPr lang="fr-BE" dirty="0">
                 <a:solidFill>
                   <a:srgbClr val="000000"/>
@@ -13109,57 +14251,87 @@
                 <a:latin typeface="Courier New" panose="02070309020205020404" pitchFamily="49" charset="0"/>
                 <a:cs typeface="Courier New" panose="02070309020205020404" pitchFamily="49" charset="0"/>
               </a:rPr>
+              <a:t>	</a:t>
+            </a:r>
+            <a:r>
+              <a:rPr lang="fr-BE" dirty="0" err="1">
+                <a:solidFill>
+                  <a:srgbClr val="000000"/>
+                </a:solidFill>
+                <a:latin typeface="Courier New" panose="02070309020205020404" pitchFamily="49" charset="0"/>
+                <a:cs typeface="Courier New" panose="02070309020205020404" pitchFamily="49" charset="0"/>
+              </a:rPr>
+              <a:t>name</a:t>
+            </a:r>
+            <a:r>
+              <a:rPr lang="fr-BE" dirty="0">
+                <a:solidFill>
+                  <a:srgbClr val="000000"/>
+                </a:solidFill>
+                <a:latin typeface="Courier New" panose="02070309020205020404" pitchFamily="49" charset="0"/>
+                <a:cs typeface="Courier New" panose="02070309020205020404" pitchFamily="49" charset="0"/>
+              </a:rPr>
               <a:t> </a:t>
             </a:r>
             <a:r>
+              <a:rPr lang="fr-BE" b="1" dirty="0">
+                <a:solidFill>
+                  <a:srgbClr val="000000"/>
+                </a:solidFill>
+                <a:latin typeface="Courier New" panose="02070309020205020404" pitchFamily="49" charset="0"/>
+                <a:cs typeface="Courier New" panose="02070309020205020404" pitchFamily="49" charset="0"/>
+              </a:rPr>
+              <a:t>:</a:t>
+            </a:r>
+            <a:r>
+              <a:rPr lang="fr-BE" dirty="0">
+                <a:solidFill>
+                  <a:srgbClr val="000000"/>
+                </a:solidFill>
+                <a:latin typeface="Courier New" panose="02070309020205020404" pitchFamily="49" charset="0"/>
+                <a:cs typeface="Courier New" panose="02070309020205020404" pitchFamily="49" charset="0"/>
+              </a:rPr>
+              <a:t> </a:t>
+            </a:r>
+            <a:r>
+              <a:rPr lang="fr-BE" dirty="0">
+                <a:solidFill>
+                  <a:srgbClr val="808080"/>
+                </a:solidFill>
+                <a:latin typeface="Courier New" panose="02070309020205020404" pitchFamily="49" charset="0"/>
+                <a:cs typeface="Courier New" panose="02070309020205020404" pitchFamily="49" charset="0"/>
+              </a:rPr>
+              <a:t>"</a:t>
+            </a:r>
+            <a:r>
               <a:rPr lang="fr-BE" dirty="0" err="1">
                 <a:solidFill>
+                  <a:srgbClr val="808080"/>
+                </a:solidFill>
+                <a:latin typeface="Courier New" panose="02070309020205020404" pitchFamily="49" charset="0"/>
+                <a:cs typeface="Courier New" panose="02070309020205020404" pitchFamily="49" charset="0"/>
+              </a:rPr>
+              <a:t>Peulafenetre</a:t>
+            </a:r>
+            <a:r>
+              <a:rPr lang="fr-BE" dirty="0">
+                <a:solidFill>
+                  <a:srgbClr val="808080"/>
+                </a:solidFill>
+                <a:latin typeface="Courier New" panose="02070309020205020404" pitchFamily="49" charset="0"/>
+                <a:cs typeface="Courier New" panose="02070309020205020404" pitchFamily="49" charset="0"/>
+              </a:rPr>
+              <a:t>"</a:t>
+            </a:r>
+            <a:r>
+              <a:rPr lang="fr-BE" b="1" dirty="0">
+                <a:solidFill>
                   <a:srgbClr val="000000"/>
                 </a:solidFill>
                 <a:latin typeface="Courier New" panose="02070309020205020404" pitchFamily="49" charset="0"/>
                 <a:cs typeface="Courier New" panose="02070309020205020404" pitchFamily="49" charset="0"/>
               </a:rPr>
-              <a:t>grandfather_json</a:t>
-            </a:r>
-            <a:r>
-              <a:rPr lang="fr-BE" dirty="0">
-                <a:solidFill>
-                  <a:srgbClr val="000000"/>
-                </a:solidFill>
-                <a:latin typeface="Courier New" panose="02070309020205020404" pitchFamily="49" charset="0"/>
-                <a:cs typeface="Courier New" panose="02070309020205020404" pitchFamily="49" charset="0"/>
-              </a:rPr>
-              <a:t> </a:t>
-            </a:r>
-            <a:r>
-              <a:rPr lang="fr-BE" b="1" dirty="0">
-                <a:solidFill>
-                  <a:srgbClr val="000000"/>
-                </a:solidFill>
-                <a:latin typeface="Courier New" panose="02070309020205020404" pitchFamily="49" charset="0"/>
-                <a:cs typeface="Courier New" panose="02070309020205020404" pitchFamily="49" charset="0"/>
-              </a:rPr>
-              <a:t>=</a:t>
-            </a:r>
-            <a:r>
-              <a:rPr lang="fr-BE" dirty="0">
-                <a:solidFill>
-                  <a:srgbClr val="000000"/>
-                </a:solidFill>
-                <a:latin typeface="Courier New" panose="02070309020205020404" pitchFamily="49" charset="0"/>
-                <a:cs typeface="Courier New" panose="02070309020205020404" pitchFamily="49" charset="0"/>
-              </a:rPr>
-              <a:t> </a:t>
-            </a:r>
-            <a:r>
-              <a:rPr lang="fr-BE" b="1" dirty="0">
-                <a:solidFill>
-                  <a:srgbClr val="000000"/>
-                </a:solidFill>
-                <a:latin typeface="Courier New" panose="02070309020205020404" pitchFamily="49" charset="0"/>
-                <a:cs typeface="Courier New" panose="02070309020205020404" pitchFamily="49" charset="0"/>
-              </a:rPr>
-              <a:t>{</a:t>
+              <a:t>,</a:t>
             </a:r>
             <a:endParaRPr lang="fr-BE" dirty="0">
               <a:solidFill>
@@ -13194,7 +14366,7 @@
                 <a:latin typeface="Courier New" panose="02070309020205020404" pitchFamily="49" charset="0"/>
                 <a:cs typeface="Courier New" panose="02070309020205020404" pitchFamily="49" charset="0"/>
               </a:rPr>
-              <a:t>name</a:t>
+              <a:t>firstname</a:t>
             </a:r>
             <a:r>
               <a:rPr lang="fr-BE" dirty="0">
@@ -13234,27 +14406,7 @@
                 <a:latin typeface="Courier New" panose="02070309020205020404" pitchFamily="49" charset="0"/>
                 <a:cs typeface="Courier New" panose="02070309020205020404" pitchFamily="49" charset="0"/>
               </a:rPr>
-              <a:t>"</a:t>
-            </a:r>
-            <a:r>
-              <a:rPr lang="fr-BE" dirty="0" err="1">
-                <a:solidFill>
-                  <a:srgbClr val="808080"/>
-                </a:solidFill>
-                <a:latin typeface="Courier New" panose="02070309020205020404" pitchFamily="49" charset="0"/>
-                <a:cs typeface="Courier New" panose="02070309020205020404" pitchFamily="49" charset="0"/>
-              </a:rPr>
-              <a:t>Peulafenetre</a:t>
-            </a:r>
-            <a:r>
-              <a:rPr lang="fr-BE" dirty="0">
-                <a:solidFill>
-                  <a:srgbClr val="808080"/>
-                </a:solidFill>
-                <a:latin typeface="Courier New" panose="02070309020205020404" pitchFamily="49" charset="0"/>
-                <a:cs typeface="Courier New" panose="02070309020205020404" pitchFamily="49" charset="0"/>
-              </a:rPr>
-              <a:t>"</a:t>
+              <a:t>"Firmin"</a:t>
             </a:r>
             <a:r>
               <a:rPr lang="fr-BE" b="1" dirty="0">
@@ -13299,7 +14451,7 @@
                 <a:latin typeface="Courier New" panose="02070309020205020404" pitchFamily="49" charset="0"/>
                 <a:cs typeface="Courier New" panose="02070309020205020404" pitchFamily="49" charset="0"/>
               </a:rPr>
-              <a:t>firstname</a:t>
+              <a:t>age</a:t>
             </a:r>
             <a:r>
               <a:rPr lang="fr-BE" dirty="0">
@@ -13334,12 +14486,12 @@
             <a:r>
               <a:rPr lang="fr-BE" dirty="0">
                 <a:solidFill>
-                  <a:srgbClr val="808080"/>
-                </a:solidFill>
-                <a:latin typeface="Courier New" panose="02070309020205020404" pitchFamily="49" charset="0"/>
-                <a:cs typeface="Courier New" panose="02070309020205020404" pitchFamily="49" charset="0"/>
-              </a:rPr>
-              <a:t>"Firmin"</a:t>
+                  <a:srgbClr val="FF0000"/>
+                </a:solidFill>
+                <a:latin typeface="Courier New" panose="02070309020205020404" pitchFamily="49" charset="0"/>
+                <a:cs typeface="Courier New" panose="02070309020205020404" pitchFamily="49" charset="0"/>
+              </a:rPr>
+              <a:t>75</a:t>
             </a:r>
             <a:r>
               <a:rPr lang="fr-BE" b="1" dirty="0">
@@ -13367,74 +14519,14 @@
               <a:buNone/>
             </a:pPr>
             <a:r>
-              <a:rPr lang="fr-BE" dirty="0">
+              <a:rPr lang="fr-BE" b="1" dirty="0">
                 <a:solidFill>
                   <a:srgbClr val="000000"/>
                 </a:solidFill>
                 <a:latin typeface="Courier New" panose="02070309020205020404" pitchFamily="49" charset="0"/>
                 <a:cs typeface="Courier New" panose="02070309020205020404" pitchFamily="49" charset="0"/>
               </a:rPr>
-              <a:t>	</a:t>
-            </a:r>
-            <a:r>
-              <a:rPr lang="fr-BE" dirty="0" err="1">
-                <a:solidFill>
-                  <a:srgbClr val="000000"/>
-                </a:solidFill>
-                <a:latin typeface="Courier New" panose="02070309020205020404" pitchFamily="49" charset="0"/>
-                <a:cs typeface="Courier New" panose="02070309020205020404" pitchFamily="49" charset="0"/>
-              </a:rPr>
-              <a:t>age</a:t>
-            </a:r>
-            <a:r>
-              <a:rPr lang="fr-BE" dirty="0">
-                <a:solidFill>
-                  <a:srgbClr val="000000"/>
-                </a:solidFill>
-                <a:latin typeface="Courier New" panose="02070309020205020404" pitchFamily="49" charset="0"/>
-                <a:cs typeface="Courier New" panose="02070309020205020404" pitchFamily="49" charset="0"/>
-              </a:rPr>
-              <a:t> </a:t>
-            </a:r>
-            <a:r>
-              <a:rPr lang="fr-BE" b="1" dirty="0">
-                <a:solidFill>
-                  <a:srgbClr val="000000"/>
-                </a:solidFill>
-                <a:latin typeface="Courier New" panose="02070309020205020404" pitchFamily="49" charset="0"/>
-                <a:cs typeface="Courier New" panose="02070309020205020404" pitchFamily="49" charset="0"/>
-              </a:rPr>
-              <a:t>:</a:t>
-            </a:r>
-            <a:r>
-              <a:rPr lang="fr-BE" dirty="0">
-                <a:solidFill>
-                  <a:srgbClr val="000000"/>
-                </a:solidFill>
-                <a:latin typeface="Courier New" panose="02070309020205020404" pitchFamily="49" charset="0"/>
-                <a:cs typeface="Courier New" panose="02070309020205020404" pitchFamily="49" charset="0"/>
-              </a:rPr>
-              <a:t> </a:t>
-            </a:r>
-            <a:r>
-              <a:rPr lang="fr-BE" dirty="0">
-                <a:solidFill>
-                  <a:srgbClr val="FF0000"/>
-                </a:solidFill>
-                <a:latin typeface="Courier New" panose="02070309020205020404" pitchFamily="49" charset="0"/>
-                <a:cs typeface="Courier New" panose="02070309020205020404" pitchFamily="49" charset="0"/>
-              </a:rPr>
-              <a:t>75</a:t>
-            </a:r>
-            <a:r>
-              <a:rPr lang="fr-BE" b="1" dirty="0">
-                <a:solidFill>
-                  <a:srgbClr val="000000"/>
-                </a:solidFill>
-                <a:latin typeface="Courier New" panose="02070309020205020404" pitchFamily="49" charset="0"/>
-                <a:cs typeface="Courier New" panose="02070309020205020404" pitchFamily="49" charset="0"/>
-              </a:rPr>
-              <a:t>,</a:t>
+              <a:t>};</a:t>
             </a:r>
             <a:endParaRPr lang="fr-BE" dirty="0">
               <a:solidFill>
@@ -13452,22 +14544,15 @@
               <a:buNone/>
             </a:pPr>
             <a:r>
-              <a:rPr lang="fr-BE" b="1" dirty="0">
+              <a:rPr lang="fr-BE" dirty="0">
                 <a:solidFill>
                   <a:srgbClr val="000000"/>
                 </a:solidFill>
                 <a:latin typeface="Courier New" panose="02070309020205020404" pitchFamily="49" charset="0"/>
                 <a:cs typeface="Courier New" panose="02070309020205020404" pitchFamily="49" charset="0"/>
               </a:rPr>
-              <a:t>};</a:t>
-            </a:r>
-            <a:endParaRPr lang="fr-BE" dirty="0">
-              <a:solidFill>
-                <a:srgbClr val="000000"/>
-              </a:solidFill>
-              <a:latin typeface="Courier New" panose="02070309020205020404" pitchFamily="49" charset="0"/>
-              <a:cs typeface="Courier New" panose="02070309020205020404" pitchFamily="49" charset="0"/>
-            </a:endParaRPr>
+              <a:t>		</a:t>
+            </a:r>
           </a:p>
           <a:p>
             <a:pPr marL="0" indent="0" defTabSz="363538">
@@ -13479,38 +14564,15 @@
             <a:r>
               <a:rPr lang="fr-BE" dirty="0">
                 <a:solidFill>
-                  <a:srgbClr val="000000"/>
-                </a:solidFill>
-                <a:latin typeface="Courier New" panose="02070309020205020404" pitchFamily="49" charset="0"/>
-                <a:cs typeface="Courier New" panose="02070309020205020404" pitchFamily="49" charset="0"/>
-              </a:rPr>
-              <a:t>		</a:t>
-            </a:r>
-          </a:p>
-          <a:p>
-            <a:pPr marL="0" indent="0" defTabSz="363538">
-              <a:spcBef>
-                <a:spcPts val="0"/>
-              </a:spcBef>
-              <a:buNone/>
-            </a:pPr>
-            <a:r>
-              <a:rPr lang="fr-BE" dirty="0">
-                <a:solidFill>
-                  <a:srgbClr val="008000"/>
+                  <a:schemeClr val="bg1">
+                    <a:lumMod val="50000"/>
+                  </a:schemeClr>
                 </a:solidFill>
                 <a:latin typeface="Courier New" panose="02070309020205020404" pitchFamily="49" charset="0"/>
                 <a:cs typeface="Courier New" panose="02070309020205020404" pitchFamily="49" charset="0"/>
               </a:rPr>
               <a:t>// on stocke les données dans l'élément</a:t>
             </a:r>
-            <a:endParaRPr lang="fr-BE" dirty="0">
-              <a:solidFill>
-                <a:srgbClr val="000000"/>
-              </a:solidFill>
-              <a:latin typeface="Courier New" panose="02070309020205020404" pitchFamily="49" charset="0"/>
-              <a:cs typeface="Courier New" panose="02070309020205020404" pitchFamily="49" charset="0"/>
-            </a:endParaRPr>
           </a:p>
           <a:p>
             <a:pPr marL="0" indent="0" defTabSz="363538">
@@ -13685,20 +14747,15 @@
             <a:r>
               <a:rPr lang="fr-BE" dirty="0">
                 <a:solidFill>
-                  <a:srgbClr val="008000"/>
+                  <a:schemeClr val="bg1">
+                    <a:lumMod val="50000"/>
+                  </a:schemeClr>
                 </a:solidFill>
                 <a:latin typeface="Courier New" panose="02070309020205020404" pitchFamily="49" charset="0"/>
                 <a:cs typeface="Courier New" panose="02070309020205020404" pitchFamily="49" charset="0"/>
               </a:rPr>
               <a:t>// on récupère les données de l'élément pour les afficher</a:t>
             </a:r>
-            <a:endParaRPr lang="fr-BE" dirty="0">
-              <a:solidFill>
-                <a:srgbClr val="000000"/>
-              </a:solidFill>
-              <a:latin typeface="Courier New" panose="02070309020205020404" pitchFamily="49" charset="0"/>
-              <a:cs typeface="Courier New" panose="02070309020205020404" pitchFamily="49" charset="0"/>
-            </a:endParaRPr>
           </a:p>
           <a:p>
             <a:pPr marL="0" indent="0" defTabSz="363538">
@@ -22657,7 +23714,7 @@
         <a:font script="Geor" typeface="Sylfaen"/>
       </a:minorFont>
     </a:fontScheme>
-    <a:fmtScheme name="Subtle Solids">
+    <a:fmtScheme name="Solides discrets">
       <a:fillStyleLst>
         <a:solidFill>
           <a:schemeClr val="phClr"/>
@@ -22747,7 +23804,7 @@
   <a:extraClrSchemeLst/>
   <a:extLst>
     <a:ext uri="{05A4C25C-085E-4340-85A3-A5531E510DB2}">
-      <thm15:themeFamily xmlns:thm15="http://schemas.microsoft.com/office/thememl/2012/main" name="burotix2020.potx" id="{B92524B4-BEEA-4B97-B375-A904F228DAF8}" vid="{CE07423F-07A9-4193-9AF7-63482ADD9406}"/>
+      <thm15:themeFamily xmlns:thm15="http://schemas.microsoft.com/office/thememl/2012/main" name="burotix2022.potm" id="{7A707283-01BA-4932-B574-4A389620091B}" vid="{093B5C4F-DD58-40B6-A0EE-0D8451AE628D}"/>
     </a:ext>
   </a:extLst>
 </a:theme>

--- a/syllabus/18_framework_jQuery/syllabus_18_jQuery.pptx
+++ b/syllabus/18_framework_jQuery/syllabus_18_jQuery.pptx
@@ -344,7 +344,7 @@
           <a:p>
             <a:fld id="{FCE9742F-4DAE-47F5-9244-6ACC3985DD6B}" type="datetimeFigureOut">
               <a:rPr lang="fr-BE" smtClean="0"/>
-              <a:t>27-01-25</a:t>
+              <a:t>12-02-25</a:t>
             </a:fld>
             <a:endParaRPr lang="fr-BE"/>
           </a:p>
@@ -1170,7 +1170,7 @@
           <a:p>
             <a:fld id="{F3953782-D06E-4853-BE3C-64C197273937}" type="datetimeFigureOut">
               <a:rPr lang="fr-BE" smtClean="0"/>
-              <a:t>27-01-25</a:t>
+              <a:t>12-02-25</a:t>
             </a:fld>
             <a:endParaRPr lang="fr-BE"/>
           </a:p>
@@ -3029,7 +3029,7 @@
           <a:p>
             <a:fld id="{F3953782-D06E-4853-BE3C-64C197273937}" type="datetimeFigureOut">
               <a:rPr lang="fr-BE" smtClean="0"/>
-              <a:t>27-01-25</a:t>
+              <a:t>12-02-25</a:t>
             </a:fld>
             <a:endParaRPr lang="fr-BE"/>
           </a:p>
@@ -3345,7 +3345,7 @@
           <a:p>
             <a:fld id="{F3953782-D06E-4853-BE3C-64C197273937}" type="datetimeFigureOut">
               <a:rPr lang="fr-BE" smtClean="0"/>
-              <a:t>27-01-25</a:t>
+              <a:t>12-02-25</a:t>
             </a:fld>
             <a:endParaRPr lang="fr-BE"/>
           </a:p>
@@ -3542,7 +3542,7 @@
           <a:p>
             <a:fld id="{F3953782-D06E-4853-BE3C-64C197273937}" type="datetimeFigureOut">
               <a:rPr lang="fr-BE" smtClean="0"/>
-              <a:t>27-01-25</a:t>
+              <a:t>12-02-25</a:t>
             </a:fld>
             <a:endParaRPr lang="fr-BE"/>
           </a:p>
@@ -3804,7 +3804,7 @@
           <a:p>
             <a:fld id="{F3953782-D06E-4853-BE3C-64C197273937}" type="datetimeFigureOut">
               <a:rPr lang="fr-BE" smtClean="0"/>
-              <a:t>27-01-25</a:t>
+              <a:t>12-02-25</a:t>
             </a:fld>
             <a:endParaRPr lang="fr-BE"/>
           </a:p>
@@ -4202,7 +4202,7 @@
           <a:p>
             <a:fld id="{F3953782-D06E-4853-BE3C-64C197273937}" type="datetimeFigureOut">
               <a:rPr lang="fr-BE" smtClean="0"/>
-              <a:t>27-01-25</a:t>
+              <a:t>12-02-25</a:t>
             </a:fld>
             <a:endParaRPr lang="fr-BE"/>
           </a:p>
@@ -4350,7 +4350,7 @@
           <a:p>
             <a:fld id="{F3953782-D06E-4853-BE3C-64C197273937}" type="datetimeFigureOut">
               <a:rPr lang="fr-BE" smtClean="0"/>
-              <a:t>27-01-25</a:t>
+              <a:t>12-02-25</a:t>
             </a:fld>
             <a:endParaRPr lang="fr-BE"/>
           </a:p>
@@ -4699,7 +4699,7 @@
           <a:p>
             <a:fld id="{F3953782-D06E-4853-BE3C-64C197273937}" type="datetimeFigureOut">
               <a:rPr lang="fr-BE" smtClean="0"/>
-              <a:t>27-01-25</a:t>
+              <a:t>12-02-25</a:t>
             </a:fld>
             <a:endParaRPr lang="fr-BE"/>
           </a:p>
@@ -5025,7 +5025,7 @@
           <a:p>
             <a:fld id="{F3953782-D06E-4853-BE3C-64C197273937}" type="datetimeFigureOut">
               <a:rPr lang="fr-BE" smtClean="0"/>
-              <a:t>27-01-25</a:t>
+              <a:t>12-02-25</a:t>
             </a:fld>
             <a:endParaRPr lang="fr-BE"/>
           </a:p>
@@ -5555,6 +5555,10 @@
             <a:br>
               <a:rPr lang="fr-BE" dirty="0"/>
             </a:br>
+            <a:r>
+              <a:rPr lang="fr-BE" dirty="0"/>
+              <a:t/>
+            </a:r>
             <a:br>
               <a:rPr lang="fr-BE" dirty="0"/>
             </a:br>
@@ -5655,6 +5659,13 @@
       </p:transition>
     </mc:Fallback>
   </mc:AlternateContent>
+  <p:timing>
+    <p:tnLst>
+      <p:par>
+        <p:cTn id="1" dur="indefinite" restart="never" nodeType="tmRoot"/>
+      </p:par>
+    </p:tnLst>
+  </p:timing>
 </p:sld>
 </file>
 
@@ -5931,6 +5942,13 @@
       </p:transition>
     </mc:Fallback>
   </mc:AlternateContent>
+  <p:timing>
+    <p:tnLst>
+      <p:par>
+        <p:cTn id="1" dur="indefinite" restart="never" nodeType="tmRoot"/>
+      </p:par>
+    </p:tnLst>
+  </p:timing>
 </p:sld>
 </file>
 
@@ -6181,6 +6199,13 @@
       </p:transition>
     </mc:Fallback>
   </mc:AlternateContent>
+  <p:timing>
+    <p:tnLst>
+      <p:par>
+        <p:cTn id="1" dur="indefinite" restart="never" nodeType="tmRoot"/>
+      </p:par>
+    </p:tnLst>
+  </p:timing>
 </p:sld>
 </file>
 
@@ -6611,6 +6636,18 @@
               </a:rPr>
               <a:t>	});</a:t>
             </a:r>
+            <a:r>
+              <a:rPr lang="fr-BE" sz="2400" b="1" dirty="0">
+                <a:solidFill>
+                  <a:schemeClr val="accent6">
+                    <a:lumMod val="50000"/>
+                  </a:schemeClr>
+                </a:solidFill>
+                <a:latin typeface="Courier New" panose="02070309020205020404" pitchFamily="49" charset="0"/>
+                <a:cs typeface="Courier New" panose="02070309020205020404" pitchFamily="49" charset="0"/>
+              </a:rPr>
+              <a:t/>
+            </a:r>
             <a:br>
               <a:rPr lang="fr-BE" sz="2400" b="1" dirty="0">
                 <a:solidFill>
@@ -6659,6 +6696,13 @@
       </p:transition>
     </mc:Fallback>
   </mc:AlternateContent>
+  <p:timing>
+    <p:tnLst>
+      <p:par>
+        <p:cTn id="1" dur="indefinite" restart="never" nodeType="tmRoot"/>
+      </p:par>
+    </p:tnLst>
+  </p:timing>
 </p:sld>
 </file>
 
@@ -7165,6 +7209,13 @@
       </p:transition>
     </mc:Fallback>
   </mc:AlternateContent>
+  <p:timing>
+    <p:tnLst>
+      <p:par>
+        <p:cTn id="1" dur="indefinite" restart="never" nodeType="tmRoot"/>
+      </p:par>
+    </p:tnLst>
+  </p:timing>
 </p:sld>
 </file>
 
@@ -7467,6 +7518,13 @@
       </p:transition>
     </mc:Fallback>
   </mc:AlternateContent>
+  <p:timing>
+    <p:tnLst>
+      <p:par>
+        <p:cTn id="1" dur="indefinite" restart="never" nodeType="tmRoot"/>
+      </p:par>
+    </p:tnLst>
+  </p:timing>
 </p:sld>
 </file>
 
@@ -7609,6 +7667,13 @@
       </p:transition>
     </mc:Fallback>
   </mc:AlternateContent>
+  <p:timing>
+    <p:tnLst>
+      <p:par>
+        <p:cTn id="1" dur="indefinite" restart="never" nodeType="tmRoot"/>
+      </p:par>
+    </p:tnLst>
+  </p:timing>
 </p:sld>
 </file>
 
@@ -8039,6 +8104,13 @@
       </p:transition>
     </mc:Fallback>
   </mc:AlternateContent>
+  <p:timing>
+    <p:tnLst>
+      <p:par>
+        <p:cTn id="1" dur="indefinite" restart="never" nodeType="tmRoot"/>
+      </p:par>
+    </p:tnLst>
+  </p:timing>
 </p:sld>
 </file>
 
@@ -8384,6 +8456,13 @@
       </p:transition>
     </mc:Fallback>
   </mc:AlternateContent>
+  <p:timing>
+    <p:tnLst>
+      <p:par>
+        <p:cTn id="1" dur="indefinite" restart="never" nodeType="tmRoot"/>
+      </p:par>
+    </p:tnLst>
+  </p:timing>
 </p:sld>
 </file>
 
@@ -8523,6 +8602,13 @@
       </p:transition>
     </mc:Fallback>
   </mc:AlternateContent>
+  <p:timing>
+    <p:tnLst>
+      <p:par>
+        <p:cTn id="1" dur="indefinite" restart="never" nodeType="tmRoot"/>
+      </p:par>
+    </p:tnLst>
+  </p:timing>
 </p:sld>
 </file>
 
@@ -8869,6 +8955,19 @@
                 <a:sym typeface="Wingdings" panose="05000000000000000000" pitchFamily="2" charset="2"/>
               </a:rPr>
             </a:br>
+            <a:r>
+              <a:rPr lang="fr-BE" dirty="0">
+                <a:solidFill>
+                  <a:schemeClr val="accent6">
+                    <a:lumMod val="50000"/>
+                  </a:schemeClr>
+                </a:solidFill>
+                <a:latin typeface="Courier New" panose="02070309020205020404" pitchFamily="49" charset="0"/>
+                <a:cs typeface="Courier New" panose="02070309020205020404" pitchFamily="49" charset="0"/>
+                <a:sym typeface="Wingdings" panose="05000000000000000000" pitchFamily="2" charset="2"/>
+              </a:rPr>
+              <a:t/>
+            </a:r>
             <a:br>
               <a:rPr lang="fr-BE" dirty="0">
                 <a:solidFill>
@@ -9087,6 +9186,13 @@
       </p:transition>
     </mc:Fallback>
   </mc:AlternateContent>
+  <p:timing>
+    <p:tnLst>
+      <p:par>
+        <p:cTn id="1" dur="indefinite" restart="never" nodeType="tmRoot"/>
+      </p:par>
+    </p:tnLst>
+  </p:timing>
 </p:sld>
 </file>
 
@@ -9467,12 +9573,19 @@
         <p14:reveal/>
       </p:transition>
     </mc:Choice>
-    <mc:Fallback xmlns="" xmlns:mv="urn:schemas-microsoft-com:mac:vml" xmlns:c="http://schemas.openxmlformats.org/drawingml/2006/chart" xmlns:dgm="http://schemas.openxmlformats.org/drawingml/2006/diagram" xmlns:o="urn:schemas-microsoft-com:office:office" xmlns:v="urn:schemas-microsoft-com:vml" xmlns:pvml="urn:schemas-microsoft-com:office:powerpoint" xmlns:com="http://schemas.openxmlformats.org/drawingml/2006/compatibility" xmlns:p15="http://schemas.microsoft.com/office/powerpoint/2012/main" xmlns:ahyp="http://schemas.microsoft.com/office/drawing/2018/hyperlinkcolor">
+    <mc:Fallback xmlns:ahyp="http://schemas.microsoft.com/office/drawing/2018/hyperlinkcolor" xmlns:p15="http://schemas.microsoft.com/office/powerpoint/2012/main" xmlns:com="http://schemas.openxmlformats.org/drawingml/2006/compatibility" xmlns:pvml="urn:schemas-microsoft-com:office:powerpoint" xmlns:v="urn:schemas-microsoft-com:vml" xmlns:o="urn:schemas-microsoft-com:office:office" xmlns:dgm="http://schemas.openxmlformats.org/drawingml/2006/diagram" xmlns:c="http://schemas.openxmlformats.org/drawingml/2006/chart" xmlns:mv="urn:schemas-microsoft-com:mac:vml" xmlns="">
       <p:transition spd="med">
         <p:fade/>
       </p:transition>
     </mc:Fallback>
   </mc:AlternateContent>
+  <p:timing>
+    <p:tnLst>
+      <p:par>
+        <p:cTn id="1" dur="indefinite" restart="never" nodeType="tmRoot"/>
+      </p:par>
+    </p:tnLst>
+  </p:timing>
 </p:sld>
 </file>
 
@@ -9788,6 +9901,13 @@
       </p:transition>
     </mc:Fallback>
   </mc:AlternateContent>
+  <p:timing>
+    <p:tnLst>
+      <p:par>
+        <p:cTn id="1" dur="indefinite" restart="never" nodeType="tmRoot"/>
+      </p:par>
+    </p:tnLst>
+  </p:timing>
 </p:sld>
 </file>
 
@@ -10029,10 +10149,22 @@
                 <a:latin typeface="Courier New" panose="02070309020205020404" pitchFamily="49" charset="0"/>
                 <a:cs typeface="Courier New" panose="02070309020205020404" pitchFamily="49" charset="0"/>
               </a:rPr>
-              <a:t>$('</a:t>
-            </a:r>
-            <a:r>
-              <a:rPr lang="fr-BE" b="1" dirty="0" err="1">
+              <a:t>$(</a:t>
+            </a:r>
+            <a:r>
+              <a:rPr lang="fr-BE" b="1" dirty="0" smtClean="0">
+                <a:solidFill>
+                  <a:schemeClr val="accent6">
+                    <a:lumMod val="50000"/>
+                  </a:schemeClr>
+                </a:solidFill>
+                <a:latin typeface="Courier New" panose="02070309020205020404" pitchFamily="49" charset="0"/>
+                <a:cs typeface="Courier New" panose="02070309020205020404" pitchFamily="49" charset="0"/>
+              </a:rPr>
+              <a:t>'</a:t>
+            </a:r>
+            <a:r>
+              <a:rPr lang="fr-BE" b="1" dirty="0" err="1" smtClean="0">
                 <a:solidFill>
                   <a:schemeClr val="accent6">
                     <a:lumMod val="50000"/>
@@ -10172,6 +10304,13 @@
       </p:transition>
     </mc:Fallback>
   </mc:AlternateContent>
+  <p:timing>
+    <p:tnLst>
+      <p:par>
+        <p:cTn id="1" dur="indefinite" restart="never" nodeType="tmRoot"/>
+      </p:par>
+    </p:tnLst>
+  </p:timing>
 </p:sld>
 </file>
 
@@ -10311,6 +10450,13 @@
       </p:transition>
     </mc:Fallback>
   </mc:AlternateContent>
+  <p:timing>
+    <p:tnLst>
+      <p:par>
+        <p:cTn id="1" dur="indefinite" restart="never" nodeType="tmRoot"/>
+      </p:par>
+    </p:tnLst>
+  </p:timing>
 </p:sld>
 </file>
 
@@ -10740,6 +10886,13 @@
       </p:transition>
     </mc:Fallback>
   </mc:AlternateContent>
+  <p:timing>
+    <p:tnLst>
+      <p:par>
+        <p:cTn id="1" dur="indefinite" restart="never" nodeType="tmRoot"/>
+      </p:par>
+    </p:tnLst>
+  </p:timing>
 </p:sld>
 </file>
 
@@ -10960,6 +11113,13 @@
       </p:transition>
     </mc:Fallback>
   </mc:AlternateContent>
+  <p:timing>
+    <p:tnLst>
+      <p:par>
+        <p:cTn id="1" dur="indefinite" restart="never" nodeType="tmRoot"/>
+      </p:par>
+    </p:tnLst>
+  </p:timing>
 </p:sld>
 </file>
 
@@ -11277,6 +11437,13 @@
       </p:transition>
     </mc:Fallback>
   </mc:AlternateContent>
+  <p:timing>
+    <p:tnLst>
+      <p:par>
+        <p:cTn id="1" dur="indefinite" restart="never" nodeType="tmRoot"/>
+      </p:par>
+    </p:tnLst>
+  </p:timing>
 </p:sld>
 </file>
 
@@ -11346,7 +11513,7 @@
         <p:spPr/>
         <p:txBody>
           <a:bodyPr numCol="1">
-            <a:normAutofit fontScale="55000" lnSpcReduction="20000"/>
+            <a:normAutofit fontScale="62500" lnSpcReduction="20000"/>
           </a:bodyPr>
           <a:lstStyle/>
           <a:p>
@@ -11637,6 +11804,13 @@
       </p:transition>
     </mc:Fallback>
   </mc:AlternateContent>
+  <p:timing>
+    <p:tnLst>
+      <p:par>
+        <p:cTn id="1" dur="indefinite" restart="never" nodeType="tmRoot"/>
+      </p:par>
+    </p:tnLst>
+  </p:timing>
 </p:sld>
 </file>
 
@@ -11972,6 +12146,10 @@
               </a:rPr>
               <a:t>('href')</a:t>
             </a:r>
+            <a:r>
+              <a:rPr lang="fr-BE" dirty="0"/>
+              <a:t/>
+            </a:r>
             <a:br>
               <a:rPr lang="fr-BE" dirty="0"/>
             </a:br>
@@ -12019,6 +12197,13 @@
       </p:transition>
     </mc:Fallback>
   </mc:AlternateContent>
+  <p:timing>
+    <p:tnLst>
+      <p:par>
+        <p:cTn id="1" dur="indefinite" restart="never" nodeType="tmRoot"/>
+      </p:par>
+    </p:tnLst>
+  </p:timing>
 </p:sld>
 </file>
 
@@ -12555,6 +12740,13 @@
       </p:transition>
     </mc:Fallback>
   </mc:AlternateContent>
+  <p:timing>
+    <p:tnLst>
+      <p:par>
+        <p:cTn id="1" dur="indefinite" restart="never" nodeType="tmRoot"/>
+      </p:par>
+    </p:tnLst>
+  </p:timing>
 </p:sld>
 </file>
 
@@ -12850,6 +13042,13 @@
       </p:transition>
     </mc:Fallback>
   </mc:AlternateContent>
+  <p:timing>
+    <p:tnLst>
+      <p:par>
+        <p:cTn id="1" dur="indefinite" restart="never" nodeType="tmRoot"/>
+      </p:par>
+    </p:tnLst>
+  </p:timing>
 </p:sld>
 </file>
 
@@ -13033,6 +13232,13 @@
       </p:transition>
     </mc:Fallback>
   </mc:AlternateContent>
+  <p:timing>
+    <p:tnLst>
+      <p:par>
+        <p:cTn id="1" dur="indefinite" restart="never" nodeType="tmRoot"/>
+      </p:par>
+    </p:tnLst>
+  </p:timing>
 </p:sld>
 </file>
 
@@ -13100,7 +13306,7 @@
         <p:spPr/>
         <p:txBody>
           <a:bodyPr>
-            <a:normAutofit fontScale="77500" lnSpcReduction="20000"/>
+            <a:normAutofit fontScale="85000" lnSpcReduction="20000"/>
           </a:bodyPr>
           <a:lstStyle/>
           <a:p>
@@ -13311,6 +13517,13 @@
       </p:transition>
     </mc:Fallback>
   </mc:AlternateContent>
+  <p:timing>
+    <p:tnLst>
+      <p:par>
+        <p:cTn id="1" dur="indefinite" restart="never" nodeType="tmRoot"/>
+      </p:par>
+    </p:tnLst>
+  </p:timing>
 </p:sld>
 </file>
 
@@ -13882,6 +14095,13 @@
       </p:transition>
     </mc:Fallback>
   </mc:AlternateContent>
+  <p:timing>
+    <p:tnLst>
+      <p:par>
+        <p:cTn id="1" dur="indefinite" restart="never" nodeType="tmRoot"/>
+      </p:par>
+    </p:tnLst>
+  </p:timing>
 </p:sld>
 </file>
 
@@ -15031,6 +15251,13 @@
       </p:transition>
     </mc:Fallback>
   </mc:AlternateContent>
+  <p:timing>
+    <p:tnLst>
+      <p:par>
+        <p:cTn id="1" dur="indefinite" restart="never" nodeType="tmRoot"/>
+      </p:par>
+    </p:tnLst>
+  </p:timing>
 </p:sld>
 </file>
 
@@ -15178,6 +15405,13 @@
       </p:transition>
     </mc:Fallback>
   </mc:AlternateContent>
+  <p:timing>
+    <p:tnLst>
+      <p:par>
+        <p:cTn id="1" dur="indefinite" restart="never" nodeType="tmRoot"/>
+      </p:par>
+    </p:tnLst>
+  </p:timing>
 </p:sld>
 </file>
 
@@ -15439,6 +15673,18 @@
               </a:rPr>
               <a:t>	// càd exécuté plus tard </a:t>
             </a:r>
+            <a:r>
+              <a:rPr lang="fr-BE" b="1" dirty="0">
+                <a:solidFill>
+                  <a:schemeClr val="accent6">
+                    <a:lumMod val="50000"/>
+                  </a:schemeClr>
+                </a:solidFill>
+                <a:latin typeface="Courier New" panose="02070309020205020404" pitchFamily="49" charset="0"/>
+                <a:cs typeface="Courier New" panose="02070309020205020404" pitchFamily="49" charset="0"/>
+              </a:rPr>
+              <a:t/>
+            </a:r>
             <a:br>
               <a:rPr lang="fr-BE" b="1" dirty="0">
                 <a:solidFill>
@@ -15525,6 +15771,13 @@
       </p:transition>
     </mc:Fallback>
   </mc:AlternateContent>
+  <p:timing>
+    <p:tnLst>
+      <p:par>
+        <p:cTn id="1" dur="indefinite" restart="never" nodeType="tmRoot"/>
+      </p:par>
+    </p:tnLst>
+  </p:timing>
 </p:sld>
 </file>
 
@@ -15689,6 +15942,18 @@
               </a:rPr>
               <a:t>() {</a:t>
             </a:r>
+            <a:r>
+              <a:rPr lang="fr-BE" b="1">
+                <a:solidFill>
+                  <a:schemeClr val="accent6">
+                    <a:lumMod val="50000"/>
+                  </a:schemeClr>
+                </a:solidFill>
+                <a:latin typeface="Courier New" panose="02070309020205020404" pitchFamily="49" charset="0"/>
+                <a:cs typeface="Courier New" panose="02070309020205020404" pitchFamily="49" charset="0"/>
+              </a:rPr>
+              <a:t/>
+            </a:r>
             <a:br>
               <a:rPr lang="fr-BE" b="1">
                 <a:solidFill>
@@ -15986,6 +16251,13 @@
       </p:transition>
     </mc:Fallback>
   </mc:AlternateContent>
+  <p:timing>
+    <p:tnLst>
+      <p:par>
+        <p:cTn id="1" dur="indefinite" restart="never" nodeType="tmRoot"/>
+      </p:par>
+    </p:tnLst>
+  </p:timing>
 </p:sld>
 </file>
 
@@ -16251,6 +16523,18 @@
               </a:rPr>
               <a:t>	// càd exécuté plus tard </a:t>
             </a:r>
+            <a:r>
+              <a:rPr lang="fr-BE" b="1" dirty="0">
+                <a:solidFill>
+                  <a:schemeClr val="accent6">
+                    <a:lumMod val="50000"/>
+                  </a:schemeClr>
+                </a:solidFill>
+                <a:latin typeface="Courier New" panose="02070309020205020404" pitchFamily="49" charset="0"/>
+                <a:cs typeface="Courier New" panose="02070309020205020404" pitchFamily="49" charset="0"/>
+              </a:rPr>
+              <a:t/>
+            </a:r>
             <a:br>
               <a:rPr lang="fr-BE" b="1" dirty="0">
                 <a:solidFill>
@@ -16337,6 +16621,13 @@
       </p:transition>
     </mc:Fallback>
   </mc:AlternateContent>
+  <p:timing>
+    <p:tnLst>
+      <p:par>
+        <p:cTn id="1" dur="indefinite" restart="never" nodeType="tmRoot"/>
+      </p:par>
+    </p:tnLst>
+  </p:timing>
 </p:sld>
 </file>
 
@@ -16562,6 +16853,13 @@
       </p:transition>
     </mc:Fallback>
   </mc:AlternateContent>
+  <p:timing>
+    <p:tnLst>
+      <p:par>
+        <p:cTn id="1" dur="indefinite" restart="never" nodeType="tmRoot"/>
+      </p:par>
+    </p:tnLst>
+  </p:timing>
 </p:sld>
 </file>
 
@@ -16631,7 +16929,7 @@
         <p:spPr/>
         <p:txBody>
           <a:bodyPr numCol="1">
-            <a:normAutofit fontScale="70000" lnSpcReduction="20000"/>
+            <a:normAutofit fontScale="77500" lnSpcReduction="20000"/>
           </a:bodyPr>
           <a:lstStyle/>
           <a:p>
@@ -16880,7 +17178,7 @@
         <p:spPr/>
         <p:txBody>
           <a:bodyPr>
-            <a:normAutofit fontScale="70000" lnSpcReduction="20000"/>
+            <a:normAutofit fontScale="77500" lnSpcReduction="20000"/>
           </a:bodyPr>
           <a:lstStyle/>
           <a:p>
@@ -17041,6 +17339,13 @@
       </p:transition>
     </mc:Fallback>
   </mc:AlternateContent>
+  <p:timing>
+    <p:tnLst>
+      <p:par>
+        <p:cTn id="1" dur="indefinite" restart="never" nodeType="tmRoot"/>
+      </p:par>
+    </p:tnLst>
+  </p:timing>
 </p:sld>
 </file>
 
@@ -17299,6 +17604,13 @@
       </p:transition>
     </mc:Fallback>
   </mc:AlternateContent>
+  <p:timing>
+    <p:tnLst>
+      <p:par>
+        <p:cTn id="1" dur="indefinite" restart="never" nodeType="tmRoot"/>
+      </p:par>
+    </p:tnLst>
+  </p:timing>
 </p:sld>
 </file>
 
@@ -17438,6 +17750,13 @@
       </p:transition>
     </mc:Fallback>
   </mc:AlternateContent>
+  <p:timing>
+    <p:tnLst>
+      <p:par>
+        <p:cTn id="1" dur="indefinite" restart="never" nodeType="tmRoot"/>
+      </p:par>
+    </p:tnLst>
+  </p:timing>
 </p:sld>
 </file>
 
@@ -18218,6 +18537,13 @@
       </p:transition>
     </mc:Fallback>
   </mc:AlternateContent>
+  <p:timing>
+    <p:tnLst>
+      <p:par>
+        <p:cTn id="1" dur="indefinite" restart="never" nodeType="tmRoot"/>
+      </p:par>
+    </p:tnLst>
+  </p:timing>
 </p:sld>
 </file>
 
@@ -18651,6 +18977,13 @@
       </p:transition>
     </mc:Fallback>
   </mc:AlternateContent>
+  <p:timing>
+    <p:tnLst>
+      <p:par>
+        <p:cTn id="1" dur="indefinite" restart="never" nodeType="tmRoot"/>
+      </p:par>
+    </p:tnLst>
+  </p:timing>
 </p:sld>
 </file>
 
@@ -19563,6 +19896,13 @@
       </p:transition>
     </mc:Fallback>
   </mc:AlternateContent>
+  <p:timing>
+    <p:tnLst>
+      <p:par>
+        <p:cTn id="1" dur="indefinite" restart="never" nodeType="tmRoot"/>
+      </p:par>
+    </p:tnLst>
+  </p:timing>
 </p:sld>
 </file>
 
@@ -19933,6 +20273,13 @@
       </p:transition>
     </mc:Fallback>
   </mc:AlternateContent>
+  <p:timing>
+    <p:tnLst>
+      <p:par>
+        <p:cTn id="1" dur="indefinite" restart="never" nodeType="tmRoot"/>
+      </p:par>
+    </p:tnLst>
+  </p:timing>
 </p:sld>
 </file>
 
@@ -20358,6 +20705,13 @@
       </p:transition>
     </mc:Fallback>
   </mc:AlternateContent>
+  <p:timing>
+    <p:tnLst>
+      <p:par>
+        <p:cTn id="1" dur="indefinite" restart="never" nodeType="tmRoot"/>
+      </p:par>
+    </p:tnLst>
+  </p:timing>
 </p:sld>
 </file>
 
@@ -20497,6 +20851,13 @@
       </p:transition>
     </mc:Fallback>
   </mc:AlternateContent>
+  <p:timing>
+    <p:tnLst>
+      <p:par>
+        <p:cTn id="1" dur="indefinite" restart="never" nodeType="tmRoot"/>
+      </p:par>
+    </p:tnLst>
+  </p:timing>
 </p:sld>
 </file>
 
@@ -20864,6 +21225,18 @@
               </a:rPr>
               <a:t>Nom d'utilisateur</a:t>
             </a:r>
+            <a:r>
+              <a:rPr lang="fr-BE" b="1" dirty="0">
+                <a:solidFill>
+                  <a:schemeClr val="accent6">
+                    <a:lumMod val="50000"/>
+                  </a:schemeClr>
+                </a:solidFill>
+                <a:latin typeface="Courier New" panose="02070309020205020404" pitchFamily="49" charset="0"/>
+                <a:cs typeface="Courier New" panose="02070309020205020404" pitchFamily="49" charset="0"/>
+              </a:rPr>
+              <a:t/>
+            </a:r>
             <a:br>
               <a:rPr lang="fr-BE" b="1" dirty="0">
                 <a:solidFill>
@@ -20922,6 +21295,18 @@
                 <a:cs typeface="Courier New" panose="02070309020205020404" pitchFamily="49" charset="0"/>
               </a:rPr>
             </a:br>
+            <a:r>
+              <a:rPr lang="fr-BE" b="1" dirty="0">
+                <a:solidFill>
+                  <a:schemeClr val="accent6">
+                    <a:lumMod val="50000"/>
+                  </a:schemeClr>
+                </a:solidFill>
+                <a:latin typeface="Courier New" panose="02070309020205020404" pitchFamily="49" charset="0"/>
+                <a:cs typeface="Courier New" panose="02070309020205020404" pitchFamily="49" charset="0"/>
+              </a:rPr>
+              <a:t/>
+            </a:r>
             <a:br>
               <a:rPr lang="fr-BE" b="1" dirty="0">
                 <a:solidFill>
@@ -22946,6 +23331,13 @@
       </p:transition>
     </mc:Fallback>
   </mc:AlternateContent>
+  <p:timing>
+    <p:tnLst>
+      <p:par>
+        <p:cTn id="1" dur="indefinite" restart="never" nodeType="tmRoot"/>
+      </p:par>
+    </p:tnLst>
+  </p:timing>
 </p:sld>
 </file>
 
@@ -23134,6 +23526,13 @@
       </p:transition>
     </mc:Fallback>
   </mc:AlternateContent>
+  <p:timing>
+    <p:tnLst>
+      <p:par>
+        <p:cTn id="1" dur="indefinite" restart="never" nodeType="tmRoot"/>
+      </p:par>
+    </p:tnLst>
+  </p:timing>
 </p:sld>
 </file>
 
@@ -23269,6 +23668,13 @@
       </p:transition>
     </mc:Fallback>
   </mc:AlternateContent>
+  <p:timing>
+    <p:tnLst>
+      <p:par>
+        <p:cTn id="1" dur="indefinite" restart="never" nodeType="tmRoot"/>
+      </p:par>
+    </p:tnLst>
+  </p:timing>
 </p:sld>
 </file>
 
@@ -23456,6 +23862,13 @@
       </p:transition>
     </mc:Fallback>
   </mc:AlternateContent>
+  <p:timing>
+    <p:tnLst>
+      <p:par>
+        <p:cTn id="1" dur="indefinite" restart="never" nodeType="tmRoot"/>
+      </p:par>
+    </p:tnLst>
+  </p:timing>
 </p:sld>
 </file>
 
@@ -23598,6 +24011,13 @@
       </p:transition>
     </mc:Fallback>
   </mc:AlternateContent>
+  <p:timing>
+    <p:tnLst>
+      <p:par>
+        <p:cTn id="1" dur="indefinite" restart="never" nodeType="tmRoot"/>
+      </p:par>
+    </p:tnLst>
+  </p:timing>
 </p:sld>
 </file>
 

--- a/syllabus/18_framework_jQuery/syllabus_18_jQuery.pptx
+++ b/syllabus/18_framework_jQuery/syllabus_18_jQuery.pptx
@@ -344,7 +344,7 @@
           <a:p>
             <a:fld id="{FCE9742F-4DAE-47F5-9244-6ACC3985DD6B}" type="datetimeFigureOut">
               <a:rPr lang="fr-BE" smtClean="0"/>
-              <a:t>09-09-25</a:t>
+              <a:t>06-10-25</a:t>
             </a:fld>
             <a:endParaRPr lang="fr-BE"/>
           </a:p>
@@ -1293,7 +1293,7 @@
           <a:p>
             <a:fld id="{F3953782-D06E-4853-BE3C-64C197273937}" type="datetimeFigureOut">
               <a:rPr lang="fr-BE" smtClean="0"/>
-              <a:t>09-09-25</a:t>
+              <a:t>06-10-25</a:t>
             </a:fld>
             <a:endParaRPr lang="fr-BE"/>
           </a:p>
@@ -3161,7 +3161,7 @@
           <a:p>
             <a:fld id="{F3953782-D06E-4853-BE3C-64C197273937}" type="datetimeFigureOut">
               <a:rPr lang="fr-BE" smtClean="0"/>
-              <a:t>09-09-25</a:t>
+              <a:t>06-10-25</a:t>
             </a:fld>
             <a:endParaRPr lang="fr-BE"/>
           </a:p>
@@ -3477,7 +3477,7 @@
           <a:p>
             <a:fld id="{F3953782-D06E-4853-BE3C-64C197273937}" type="datetimeFigureOut">
               <a:rPr lang="fr-BE" smtClean="0"/>
-              <a:t>09-09-25</a:t>
+              <a:t>06-10-25</a:t>
             </a:fld>
             <a:endParaRPr lang="fr-BE"/>
           </a:p>
@@ -3674,7 +3674,7 @@
           <a:p>
             <a:fld id="{F3953782-D06E-4853-BE3C-64C197273937}" type="datetimeFigureOut">
               <a:rPr lang="fr-BE" smtClean="0"/>
-              <a:t>09-09-25</a:t>
+              <a:t>06-10-25</a:t>
             </a:fld>
             <a:endParaRPr lang="fr-BE"/>
           </a:p>
@@ -3936,7 +3936,7 @@
           <a:p>
             <a:fld id="{F3953782-D06E-4853-BE3C-64C197273937}" type="datetimeFigureOut">
               <a:rPr lang="fr-BE" smtClean="0"/>
-              <a:t>09-09-25</a:t>
+              <a:t>06-10-25</a:t>
             </a:fld>
             <a:endParaRPr lang="fr-BE"/>
           </a:p>
@@ -4334,7 +4334,7 @@
           <a:p>
             <a:fld id="{F3953782-D06E-4853-BE3C-64C197273937}" type="datetimeFigureOut">
               <a:rPr lang="fr-BE" smtClean="0"/>
-              <a:t>09-09-25</a:t>
+              <a:t>06-10-25</a:t>
             </a:fld>
             <a:endParaRPr lang="fr-BE"/>
           </a:p>
@@ -4482,7 +4482,7 @@
           <a:p>
             <a:fld id="{F3953782-D06E-4853-BE3C-64C197273937}" type="datetimeFigureOut">
               <a:rPr lang="fr-BE" smtClean="0"/>
-              <a:t>09-09-25</a:t>
+              <a:t>06-10-25</a:t>
             </a:fld>
             <a:endParaRPr lang="fr-BE"/>
           </a:p>
@@ -4831,7 +4831,7 @@
           <a:p>
             <a:fld id="{F3953782-D06E-4853-BE3C-64C197273937}" type="datetimeFigureOut">
               <a:rPr lang="fr-BE" smtClean="0"/>
-              <a:t>09-09-25</a:t>
+              <a:t>06-10-25</a:t>
             </a:fld>
             <a:endParaRPr lang="fr-BE"/>
           </a:p>
@@ -5157,7 +5157,7 @@
           <a:p>
             <a:fld id="{F3953782-D06E-4853-BE3C-64C197273937}" type="datetimeFigureOut">
               <a:rPr lang="fr-BE" smtClean="0"/>
-              <a:t>09-09-25</a:t>
+              <a:t>06-10-25</a:t>
             </a:fld>
             <a:endParaRPr lang="fr-BE"/>
           </a:p>
@@ -5808,7 +5808,7 @@
         <p14:reveal/>
       </p:transition>
     </mc:Choice>
-    <mc:Fallback xmlns:ahyp="http://schemas.microsoft.com/office/drawing/2018/hyperlinkcolor" xmlns:p15="http://schemas.microsoft.com/office/powerpoint/2012/main" xmlns:com="http://schemas.openxmlformats.org/drawingml/2006/compatibility" xmlns:pvml="urn:schemas-microsoft-com:office:powerpoint" xmlns:v="urn:schemas-microsoft-com:vml" xmlns:o="urn:schemas-microsoft-com:office:office" xmlns:dgm="http://schemas.openxmlformats.org/drawingml/2006/diagram" xmlns:c="http://schemas.openxmlformats.org/drawingml/2006/chart" xmlns:mv="urn:schemas-microsoft-com:mac:vml" xmlns="">
+    <mc:Fallback xmlns="" xmlns:mv="urn:schemas-microsoft-com:mac:vml" xmlns:c="http://schemas.openxmlformats.org/drawingml/2006/chart" xmlns:dgm="http://schemas.openxmlformats.org/drawingml/2006/diagram" xmlns:o="urn:schemas-microsoft-com:office:office" xmlns:v="urn:schemas-microsoft-com:vml" xmlns:pvml="urn:schemas-microsoft-com:office:powerpoint" xmlns:com="http://schemas.openxmlformats.org/drawingml/2006/compatibility" xmlns:p15="http://schemas.microsoft.com/office/powerpoint/2012/main" xmlns:ahyp="http://schemas.microsoft.com/office/drawing/2018/hyperlinkcolor">
       <p:transition spd="med">
         <p:fade/>
       </p:transition>
@@ -7720,6 +7720,13 @@
           </p:nvPr>
         </p:nvSpPr>
         <p:spPr/>
+        <p:txBody>
+          <a:bodyPr/>
+          <a:lstStyle/>
+          <a:p>
+            <a:endParaRPr lang="fr-BE"/>
+          </a:p>
+        </p:txBody>
       </p:sp>
       <p:pic>
         <p:nvPicPr>
@@ -8655,6 +8662,13 @@
           </p:nvPr>
         </p:nvSpPr>
         <p:spPr/>
+        <p:txBody>
+          <a:bodyPr/>
+          <a:lstStyle/>
+          <a:p>
+            <a:endParaRPr lang="fr-BE"/>
+          </a:p>
+        </p:txBody>
       </p:sp>
       <p:pic>
         <p:nvPicPr>
@@ -9682,7 +9696,7 @@
         <p14:reveal/>
       </p:transition>
     </mc:Choice>
-    <mc:Fallback xmlns="" xmlns:mv="urn:schemas-microsoft-com:mac:vml" xmlns:c="http://schemas.openxmlformats.org/drawingml/2006/chart" xmlns:dgm="http://schemas.openxmlformats.org/drawingml/2006/diagram" xmlns:o="urn:schemas-microsoft-com:office:office" xmlns:v="urn:schemas-microsoft-com:vml" xmlns:pvml="urn:schemas-microsoft-com:office:powerpoint" xmlns:com="http://schemas.openxmlformats.org/drawingml/2006/compatibility" xmlns:p15="http://schemas.microsoft.com/office/powerpoint/2012/main" xmlns:ahyp="http://schemas.microsoft.com/office/drawing/2018/hyperlinkcolor">
+    <mc:Fallback xmlns:ahyp="http://schemas.microsoft.com/office/drawing/2018/hyperlinkcolor" xmlns:p15="http://schemas.microsoft.com/office/powerpoint/2012/main" xmlns:com="http://schemas.openxmlformats.org/drawingml/2006/compatibility" xmlns:pvml="urn:schemas-microsoft-com:office:powerpoint" xmlns:v="urn:schemas-microsoft-com:vml" xmlns:o="urn:schemas-microsoft-com:office:office" xmlns:dgm="http://schemas.openxmlformats.org/drawingml/2006/diagram" xmlns:c="http://schemas.openxmlformats.org/drawingml/2006/chart" xmlns:mv="urn:schemas-microsoft-com:mac:vml" xmlns="">
       <p:transition spd="med">
         <p:fade/>
       </p:transition>
@@ -10478,6 +10492,13 @@
           </p:nvPr>
         </p:nvSpPr>
         <p:spPr/>
+        <p:txBody>
+          <a:bodyPr/>
+          <a:lstStyle/>
+          <a:p>
+            <a:endParaRPr lang="fr-BE"/>
+          </a:p>
+        </p:txBody>
       </p:sp>
       <p:pic>
         <p:nvPicPr>
@@ -15366,6 +15387,13 @@
           </p:nvPr>
         </p:nvSpPr>
         <p:spPr/>
+        <p:txBody>
+          <a:bodyPr/>
+          <a:lstStyle/>
+          <a:p>
+            <a:endParaRPr lang="fr-BE"/>
+          </a:p>
+        </p:txBody>
       </p:sp>
       <p:pic>
         <p:nvPicPr>
@@ -17647,6 +17675,13 @@
           </p:nvPr>
         </p:nvSpPr>
         <p:spPr/>
+        <p:txBody>
+          <a:bodyPr/>
+          <a:lstStyle/>
+          <a:p>
+            <a:endParaRPr lang="fr-BE"/>
+          </a:p>
+        </p:txBody>
       </p:sp>
       <p:pic>
         <p:nvPicPr>
@@ -17801,208 +17836,208 @@
               <a:buNone/>
             </a:pPr>
             <a:r>
-              <a:rPr lang="en-US" b="1" dirty="0">
-                <a:solidFill>
-                  <a:schemeClr val="accent6">
-                    <a:lumMod val="50000"/>
-                  </a:schemeClr>
-                </a:solidFill>
-                <a:latin typeface="Courier New" panose="02070309020205020404" pitchFamily="49" charset="0"/>
+              <a:rPr lang="en-US" dirty="0">
+                <a:solidFill>
+                  <a:schemeClr val="accent6">
+                    <a:lumMod val="50000"/>
+                  </a:schemeClr>
+                </a:solidFill>
+                <a:latin typeface="Consolas" panose="020B0609020204030204" pitchFamily="49" charset="0"/>
                 <a:cs typeface="Courier New" panose="02070309020205020404" pitchFamily="49" charset="0"/>
               </a:rPr>
               <a:t>&lt;</a:t>
             </a:r>
             <a:r>
-              <a:rPr lang="en-US" b="1" dirty="0" err="1">
-                <a:solidFill>
-                  <a:schemeClr val="accent6">
-                    <a:lumMod val="50000"/>
-                  </a:schemeClr>
-                </a:solidFill>
-                <a:latin typeface="Courier New" panose="02070309020205020404" pitchFamily="49" charset="0"/>
+              <a:rPr lang="en-US" dirty="0" err="1">
+                <a:solidFill>
+                  <a:schemeClr val="accent6">
+                    <a:lumMod val="50000"/>
+                  </a:schemeClr>
+                </a:solidFill>
+                <a:latin typeface="Consolas" panose="020B0609020204030204" pitchFamily="49" charset="0"/>
                 <a:cs typeface="Courier New" panose="02070309020205020404" pitchFamily="49" charset="0"/>
               </a:rPr>
               <a:t>img</a:t>
             </a:r>
             <a:r>
-              <a:rPr lang="en-US" b="1" dirty="0">
-                <a:solidFill>
-                  <a:schemeClr val="accent6">
-                    <a:lumMod val="50000"/>
-                  </a:schemeClr>
-                </a:solidFill>
-                <a:latin typeface="Courier New" panose="02070309020205020404" pitchFamily="49" charset="0"/>
+              <a:rPr lang="en-US" dirty="0">
+                <a:solidFill>
+                  <a:schemeClr val="accent6">
+                    <a:lumMod val="50000"/>
+                  </a:schemeClr>
+                </a:solidFill>
+                <a:latin typeface="Consolas" panose="020B0609020204030204" pitchFamily="49" charset="0"/>
                 <a:cs typeface="Courier New" panose="02070309020205020404" pitchFamily="49" charset="0"/>
               </a:rPr>
               <a:t> id="</a:t>
             </a:r>
             <a:r>
-              <a:rPr lang="en-US" b="1" dirty="0">
+              <a:rPr lang="en-US" dirty="0">
                 <a:solidFill>
                   <a:schemeClr val="accent2"/>
                 </a:solidFill>
-                <a:latin typeface="Courier New" panose="02070309020205020404" pitchFamily="49" charset="0"/>
+                <a:latin typeface="Consolas" panose="020B0609020204030204" pitchFamily="49" charset="0"/>
                 <a:cs typeface="Courier New" panose="02070309020205020404" pitchFamily="49" charset="0"/>
               </a:rPr>
               <a:t>target</a:t>
             </a:r>
             <a:r>
-              <a:rPr lang="en-US" b="1" dirty="0">
-                <a:solidFill>
-                  <a:schemeClr val="accent6">
-                    <a:lumMod val="50000"/>
-                  </a:schemeClr>
-                </a:solidFill>
-                <a:latin typeface="Courier New" panose="02070309020205020404" pitchFamily="49" charset="0"/>
+              <a:rPr lang="en-US" dirty="0">
+                <a:solidFill>
+                  <a:schemeClr val="accent6">
+                    <a:lumMod val="50000"/>
+                  </a:schemeClr>
+                </a:solidFill>
+                <a:latin typeface="Consolas" panose="020B0609020204030204" pitchFamily="49" charset="0"/>
                 <a:cs typeface="Courier New" panose="02070309020205020404" pitchFamily="49" charset="0"/>
               </a:rPr>
               <a:t>" </a:t>
             </a:r>
             <a:br>
-              <a:rPr lang="en-US" b="1" dirty="0">
-                <a:solidFill>
-                  <a:schemeClr val="accent6">
-                    <a:lumMod val="50000"/>
-                  </a:schemeClr>
-                </a:solidFill>
-                <a:latin typeface="Courier New" panose="02070309020205020404" pitchFamily="49" charset="0"/>
+              <a:rPr lang="en-US" dirty="0">
+                <a:solidFill>
+                  <a:schemeClr val="accent6">
+                    <a:lumMod val="50000"/>
+                  </a:schemeClr>
+                </a:solidFill>
+                <a:latin typeface="Consolas" panose="020B0609020204030204" pitchFamily="49" charset="0"/>
                 <a:cs typeface="Courier New" panose="02070309020205020404" pitchFamily="49" charset="0"/>
               </a:rPr>
             </a:br>
             <a:r>
-              <a:rPr lang="en-US" b="1" dirty="0">
-                <a:solidFill>
-                  <a:schemeClr val="accent6">
-                    <a:lumMod val="50000"/>
-                  </a:schemeClr>
-                </a:solidFill>
-                <a:latin typeface="Courier New" panose="02070309020205020404" pitchFamily="49" charset="0"/>
+              <a:rPr lang="en-US" dirty="0">
+                <a:solidFill>
+                  <a:schemeClr val="accent6">
+                    <a:lumMod val="50000"/>
+                  </a:schemeClr>
+                </a:solidFill>
+                <a:latin typeface="Consolas" panose="020B0609020204030204" pitchFamily="49" charset="0"/>
                 <a:cs typeface="Courier New" panose="02070309020205020404" pitchFamily="49" charset="0"/>
               </a:rPr>
               <a:t>     </a:t>
             </a:r>
             <a:r>
-              <a:rPr lang="en-US" b="1" dirty="0" err="1">
-                <a:solidFill>
-                  <a:schemeClr val="accent6">
-                    <a:lumMod val="50000"/>
-                  </a:schemeClr>
-                </a:solidFill>
-                <a:latin typeface="Courier New" panose="02070309020205020404" pitchFamily="49" charset="0"/>
+              <a:rPr lang="en-US" dirty="0" err="1">
+                <a:solidFill>
+                  <a:schemeClr val="accent6">
+                    <a:lumMod val="50000"/>
+                  </a:schemeClr>
+                </a:solidFill>
+                <a:latin typeface="Consolas" panose="020B0609020204030204" pitchFamily="49" charset="0"/>
                 <a:cs typeface="Courier New" panose="02070309020205020404" pitchFamily="49" charset="0"/>
               </a:rPr>
               <a:t>src</a:t>
             </a:r>
             <a:r>
-              <a:rPr lang="en-US" b="1" dirty="0">
-                <a:solidFill>
-                  <a:schemeClr val="accent6">
-                    <a:lumMod val="50000"/>
-                  </a:schemeClr>
-                </a:solidFill>
-                <a:latin typeface="Courier New" panose="02070309020205020404" pitchFamily="49" charset="0"/>
+              <a:rPr lang="en-US" dirty="0">
+                <a:solidFill>
+                  <a:schemeClr val="accent6">
+                    <a:lumMod val="50000"/>
+                  </a:schemeClr>
+                </a:solidFill>
+                <a:latin typeface="Consolas" panose="020B0609020204030204" pitchFamily="49" charset="0"/>
                 <a:cs typeface="Courier New" panose="02070309020205020404" pitchFamily="49" charset="0"/>
               </a:rPr>
               <a:t>="logo103x90-V6-beige_bg.png"&gt;</a:t>
             </a:r>
             <a:br>
-              <a:rPr lang="en-US" b="1" dirty="0">
-                <a:solidFill>
-                  <a:schemeClr val="accent6">
-                    <a:lumMod val="50000"/>
-                  </a:schemeClr>
-                </a:solidFill>
-                <a:latin typeface="Courier New" panose="02070309020205020404" pitchFamily="49" charset="0"/>
+              <a:rPr lang="en-US" dirty="0">
+                <a:solidFill>
+                  <a:schemeClr val="accent6">
+                    <a:lumMod val="50000"/>
+                  </a:schemeClr>
+                </a:solidFill>
+                <a:latin typeface="Consolas" panose="020B0609020204030204" pitchFamily="49" charset="0"/>
                 <a:cs typeface="Courier New" panose="02070309020205020404" pitchFamily="49" charset="0"/>
               </a:rPr>
             </a:br>
             <a:r>
-              <a:rPr lang="en-US" b="1" dirty="0">
-                <a:solidFill>
-                  <a:schemeClr val="accent6">
-                    <a:lumMod val="50000"/>
-                  </a:schemeClr>
-                </a:solidFill>
-                <a:latin typeface="Courier New" panose="02070309020205020404" pitchFamily="49" charset="0"/>
+              <a:rPr lang="en-US" dirty="0">
+                <a:solidFill>
+                  <a:schemeClr val="accent6">
+                    <a:lumMod val="50000"/>
+                  </a:schemeClr>
+                </a:solidFill>
+                <a:latin typeface="Consolas" panose="020B0609020204030204" pitchFamily="49" charset="0"/>
                 <a:cs typeface="Courier New" panose="02070309020205020404" pitchFamily="49" charset="0"/>
               </a:rPr>
               <a:t>…</a:t>
             </a:r>
             <a:br>
-              <a:rPr lang="en-US" b="1" dirty="0">
-                <a:solidFill>
-                  <a:schemeClr val="accent6">
-                    <a:lumMod val="50000"/>
-                  </a:schemeClr>
-                </a:solidFill>
-                <a:latin typeface="Courier New" panose="02070309020205020404" pitchFamily="49" charset="0"/>
+              <a:rPr lang="en-US" dirty="0">
+                <a:solidFill>
+                  <a:schemeClr val="accent6">
+                    <a:lumMod val="50000"/>
+                  </a:schemeClr>
+                </a:solidFill>
+                <a:latin typeface="Consolas" panose="020B0609020204030204" pitchFamily="49" charset="0"/>
                 <a:cs typeface="Courier New" panose="02070309020205020404" pitchFamily="49" charset="0"/>
               </a:rPr>
             </a:br>
             <a:r>
-              <a:rPr lang="en-US" b="1" dirty="0">
-                <a:solidFill>
-                  <a:schemeClr val="accent6">
-                    <a:lumMod val="50000"/>
-                  </a:schemeClr>
-                </a:solidFill>
-                <a:latin typeface="Courier New" panose="02070309020205020404" pitchFamily="49" charset="0"/>
+              <a:rPr lang="en-US" dirty="0">
+                <a:solidFill>
+                  <a:schemeClr val="accent6">
+                    <a:lumMod val="50000"/>
+                  </a:schemeClr>
+                </a:solidFill>
+                <a:latin typeface="Consolas" panose="020B0609020204030204" pitchFamily="49" charset="0"/>
                 <a:cs typeface="Courier New" panose="02070309020205020404" pitchFamily="49" charset="0"/>
               </a:rPr>
               <a:t>$("#</a:t>
             </a:r>
             <a:r>
-              <a:rPr lang="en-US" b="1">
+              <a:rPr lang="en-US">
                 <a:solidFill>
                   <a:schemeClr val="accent2"/>
                 </a:solidFill>
-                <a:latin typeface="Courier New" panose="02070309020205020404" pitchFamily="49" charset="0"/>
+                <a:latin typeface="Consolas" panose="020B0609020204030204" pitchFamily="49" charset="0"/>
                 <a:cs typeface="Courier New" panose="02070309020205020404" pitchFamily="49" charset="0"/>
               </a:rPr>
               <a:t>target</a:t>
             </a:r>
             <a:r>
-              <a:rPr lang="en-US" b="1">
-                <a:solidFill>
-                  <a:schemeClr val="accent6">
-                    <a:lumMod val="50000"/>
-                  </a:schemeClr>
-                </a:solidFill>
-                <a:latin typeface="Courier New" panose="02070309020205020404" pitchFamily="49" charset="0"/>
+              <a:rPr lang="en-US">
+                <a:solidFill>
+                  <a:schemeClr val="accent6">
+                    <a:lumMod val="50000"/>
+                  </a:schemeClr>
+                </a:solidFill>
+                <a:latin typeface="Consolas" panose="020B0609020204030204" pitchFamily="49" charset="0"/>
                 <a:cs typeface="Courier New" panose="02070309020205020404" pitchFamily="49" charset="0"/>
               </a:rPr>
               <a:t>").</a:t>
             </a:r>
             <a:r>
-              <a:rPr lang="en-US" b="1">
+              <a:rPr lang="en-US">
                 <a:solidFill>
                   <a:schemeClr val="accent5"/>
                 </a:solidFill>
-                <a:latin typeface="Courier New" panose="02070309020205020404" pitchFamily="49" charset="0"/>
+                <a:latin typeface="Consolas" panose="020B0609020204030204" pitchFamily="49" charset="0"/>
                 <a:cs typeface="Courier New" panose="02070309020205020404" pitchFamily="49" charset="0"/>
               </a:rPr>
               <a:t>on( "click", </a:t>
             </a:r>
             <a:r>
-              <a:rPr lang="en-US" b="1">
-                <a:solidFill>
-                  <a:schemeClr val="accent6">
-                    <a:lumMod val="50000"/>
-                  </a:schemeClr>
-                </a:solidFill>
-                <a:latin typeface="Courier New" panose="02070309020205020404" pitchFamily="49" charset="0"/>
+              <a:rPr lang="en-US">
+                <a:solidFill>
+                  <a:schemeClr val="accent6">
+                    <a:lumMod val="50000"/>
+                  </a:schemeClr>
+                </a:solidFill>
+                <a:latin typeface="Consolas" panose="020B0609020204030204" pitchFamily="49" charset="0"/>
                 <a:cs typeface="Courier New" panose="02070309020205020404" pitchFamily="49" charset="0"/>
               </a:rPr>
               <a:t>function</a:t>
             </a:r>
             <a:r>
-              <a:rPr lang="en-US" b="1" dirty="0">
-                <a:solidFill>
-                  <a:schemeClr val="accent6">
-                    <a:lumMod val="50000"/>
-                  </a:schemeClr>
-                </a:solidFill>
-                <a:latin typeface="Courier New" panose="02070309020205020404" pitchFamily="49" charset="0"/>
+              <a:rPr lang="en-US" dirty="0">
+                <a:solidFill>
+                  <a:schemeClr val="accent6">
+                    <a:lumMod val="50000"/>
+                  </a:schemeClr>
+                </a:solidFill>
+                <a:latin typeface="Consolas" panose="020B0609020204030204" pitchFamily="49" charset="0"/>
                 <a:cs typeface="Courier New" panose="02070309020205020404" pitchFamily="49" charset="0"/>
               </a:rPr>
               <a:t>() {	</a:t>
@@ -18013,73 +18048,73 @@
               <a:buNone/>
             </a:pPr>
             <a:r>
-              <a:rPr lang="en-US" b="1" dirty="0">
-                <a:solidFill>
-                  <a:schemeClr val="accent6">
-                    <a:lumMod val="50000"/>
-                  </a:schemeClr>
-                </a:solidFill>
-                <a:latin typeface="Courier New" panose="02070309020205020404" pitchFamily="49" charset="0"/>
+              <a:rPr lang="en-US" dirty="0">
+                <a:solidFill>
+                  <a:schemeClr val="accent6">
+                    <a:lumMod val="50000"/>
+                  </a:schemeClr>
+                </a:solidFill>
+                <a:latin typeface="Consolas" panose="020B0609020204030204" pitchFamily="49" charset="0"/>
                 <a:cs typeface="Courier New" panose="02070309020205020404" pitchFamily="49" charset="0"/>
               </a:rPr>
               <a:t>	</a:t>
             </a:r>
             <a:r>
-              <a:rPr lang="en-US" b="1" dirty="0">
+              <a:rPr lang="en-US" dirty="0">
                 <a:solidFill>
                   <a:schemeClr val="bg1">
                     <a:lumMod val="50000"/>
                   </a:schemeClr>
                 </a:solidFill>
-                <a:latin typeface="Courier New" panose="02070309020205020404" pitchFamily="49" charset="0"/>
+                <a:latin typeface="Consolas" panose="020B0609020204030204" pitchFamily="49" charset="0"/>
                 <a:cs typeface="Courier New" panose="02070309020205020404" pitchFamily="49" charset="0"/>
               </a:rPr>
               <a:t>// code </a:t>
             </a:r>
             <a:r>
-              <a:rPr lang="en-US" b="1" dirty="0" err="1">
+              <a:rPr lang="en-US" dirty="0" err="1">
                 <a:solidFill>
                   <a:schemeClr val="bg1">
                     <a:lumMod val="50000"/>
                   </a:schemeClr>
                 </a:solidFill>
-                <a:latin typeface="Courier New" panose="02070309020205020404" pitchFamily="49" charset="0"/>
+                <a:latin typeface="Consolas" panose="020B0609020204030204" pitchFamily="49" charset="0"/>
                 <a:cs typeface="Courier New" panose="02070309020205020404" pitchFamily="49" charset="0"/>
               </a:rPr>
               <a:t>exécuté</a:t>
             </a:r>
             <a:r>
-              <a:rPr lang="en-US" b="1" dirty="0">
+              <a:rPr lang="en-US" dirty="0">
                 <a:solidFill>
                   <a:schemeClr val="bg1">
                     <a:lumMod val="50000"/>
                   </a:schemeClr>
                 </a:solidFill>
-                <a:latin typeface="Courier New" panose="02070309020205020404" pitchFamily="49" charset="0"/>
+                <a:latin typeface="Consolas" panose="020B0609020204030204" pitchFamily="49" charset="0"/>
                 <a:cs typeface="Courier New" panose="02070309020205020404" pitchFamily="49" charset="0"/>
               </a:rPr>
               <a:t> au moment de </a:t>
             </a:r>
             <a:r>
-              <a:rPr lang="en-US" b="1" dirty="0" err="1">
+              <a:rPr lang="en-US" dirty="0" err="1">
                 <a:solidFill>
                   <a:schemeClr val="bg1">
                     <a:lumMod val="50000"/>
                   </a:schemeClr>
                 </a:solidFill>
-                <a:latin typeface="Courier New" panose="02070309020205020404" pitchFamily="49" charset="0"/>
+                <a:latin typeface="Consolas" panose="020B0609020204030204" pitchFamily="49" charset="0"/>
                 <a:cs typeface="Courier New" panose="02070309020205020404" pitchFamily="49" charset="0"/>
               </a:rPr>
               <a:t>l'évènement</a:t>
             </a:r>
             <a:r>
-              <a:rPr lang="en-US" b="1" dirty="0">
+              <a:rPr lang="en-US" dirty="0">
                 <a:solidFill>
                   <a:schemeClr val="bg1">
                     <a:lumMod val="50000"/>
                   </a:schemeClr>
                 </a:solidFill>
-                <a:latin typeface="Courier New" panose="02070309020205020404" pitchFamily="49" charset="0"/>
+                <a:latin typeface="Consolas" panose="020B0609020204030204" pitchFamily="49" charset="0"/>
                 <a:cs typeface="Courier New" panose="02070309020205020404" pitchFamily="49" charset="0"/>
               </a:rPr>
               <a:t> !</a:t>
@@ -18090,37 +18125,37 @@
               <a:buNone/>
             </a:pPr>
             <a:r>
-              <a:rPr lang="en-US" b="1" dirty="0">
-                <a:solidFill>
-                  <a:schemeClr val="accent6">
-                    <a:lumMod val="50000"/>
-                  </a:schemeClr>
-                </a:solidFill>
-                <a:latin typeface="Courier New" panose="02070309020205020404" pitchFamily="49" charset="0"/>
+              <a:rPr lang="en-US" dirty="0">
+                <a:solidFill>
+                  <a:schemeClr val="accent6">
+                    <a:lumMod val="50000"/>
+                  </a:schemeClr>
+                </a:solidFill>
+                <a:latin typeface="Consolas" panose="020B0609020204030204" pitchFamily="49" charset="0"/>
                 <a:cs typeface="Courier New" panose="02070309020205020404" pitchFamily="49" charset="0"/>
               </a:rPr>
               <a:t>	var </a:t>
             </a:r>
             <a:r>
-              <a:rPr lang="en-US" b="1" dirty="0" err="1">
+              <a:rPr lang="en-US" dirty="0" err="1">
                 <a:solidFill>
                   <a:schemeClr val="accent6">
                     <a:lumMod val="10000"/>
                   </a:schemeClr>
                 </a:solidFill>
-                <a:latin typeface="Courier New" panose="02070309020205020404" pitchFamily="49" charset="0"/>
+                <a:latin typeface="Consolas" panose="020B0609020204030204" pitchFamily="49" charset="0"/>
                 <a:cs typeface="Courier New" panose="02070309020205020404" pitchFamily="49" charset="0"/>
               </a:rPr>
               <a:t>mip</a:t>
             </a:r>
             <a:r>
-              <a:rPr lang="en-US" b="1" dirty="0">
-                <a:solidFill>
-                  <a:schemeClr val="accent6">
-                    <a:lumMod val="50000"/>
-                  </a:schemeClr>
-                </a:solidFill>
-                <a:latin typeface="Courier New" panose="02070309020205020404" pitchFamily="49" charset="0"/>
+              <a:rPr lang="en-US" dirty="0">
+                <a:solidFill>
+                  <a:schemeClr val="accent6">
+                    <a:lumMod val="50000"/>
+                  </a:schemeClr>
+                </a:solidFill>
+                <a:latin typeface="Consolas" panose="020B0609020204030204" pitchFamily="49" charset="0"/>
                 <a:cs typeface="Courier New" panose="02070309020205020404" pitchFamily="49" charset="0"/>
               </a:rPr>
               <a:t> = {</a:t>
@@ -18131,61 +18166,61 @@
               <a:buNone/>
             </a:pPr>
             <a:r>
-              <a:rPr lang="en-US" b="1" dirty="0">
-                <a:solidFill>
-                  <a:schemeClr val="accent6">
-                    <a:lumMod val="50000"/>
-                  </a:schemeClr>
-                </a:solidFill>
-                <a:latin typeface="Courier New" panose="02070309020205020404" pitchFamily="49" charset="0"/>
+              <a:rPr lang="en-US" dirty="0">
+                <a:solidFill>
+                  <a:schemeClr val="accent6">
+                    <a:lumMod val="50000"/>
+                  </a:schemeClr>
+                </a:solidFill>
+                <a:latin typeface="Consolas" panose="020B0609020204030204" pitchFamily="49" charset="0"/>
                 <a:cs typeface="Courier New" panose="02070309020205020404" pitchFamily="49" charset="0"/>
               </a:rPr>
               <a:t>		top : </a:t>
             </a:r>
             <a:r>
-              <a:rPr lang="en-US" b="1" dirty="0" err="1">
-                <a:solidFill>
-                  <a:schemeClr val="accent6">
-                    <a:lumMod val="50000"/>
-                  </a:schemeClr>
-                </a:solidFill>
-                <a:latin typeface="Courier New" panose="02070309020205020404" pitchFamily="49" charset="0"/>
+              <a:rPr lang="en-US" dirty="0" err="1">
+                <a:solidFill>
+                  <a:schemeClr val="accent6">
+                    <a:lumMod val="50000"/>
+                  </a:schemeClr>
+                </a:solidFill>
+                <a:latin typeface="Consolas" panose="020B0609020204030204" pitchFamily="49" charset="0"/>
                 <a:cs typeface="Courier New" panose="02070309020205020404" pitchFamily="49" charset="0"/>
               </a:rPr>
               <a:t>Math.floor</a:t>
             </a:r>
             <a:r>
-              <a:rPr lang="en-US" b="1" dirty="0">
-                <a:solidFill>
-                  <a:schemeClr val="accent6">
-                    <a:lumMod val="50000"/>
-                  </a:schemeClr>
-                </a:solidFill>
-                <a:latin typeface="Courier New" panose="02070309020205020404" pitchFamily="49" charset="0"/>
+              <a:rPr lang="en-US" dirty="0">
+                <a:solidFill>
+                  <a:schemeClr val="accent6">
+                    <a:lumMod val="50000"/>
+                  </a:schemeClr>
+                </a:solidFill>
+                <a:latin typeface="Consolas" panose="020B0609020204030204" pitchFamily="49" charset="0"/>
                 <a:cs typeface="Courier New" panose="02070309020205020404" pitchFamily="49" charset="0"/>
               </a:rPr>
               <a:t>(</a:t>
             </a:r>
             <a:r>
-              <a:rPr lang="en-US" b="1" dirty="0" err="1">
-                <a:solidFill>
-                  <a:schemeClr val="accent6">
-                    <a:lumMod val="50000"/>
-                  </a:schemeClr>
-                </a:solidFill>
-                <a:latin typeface="Courier New" panose="02070309020205020404" pitchFamily="49" charset="0"/>
+              <a:rPr lang="en-US" dirty="0" err="1">
+                <a:solidFill>
+                  <a:schemeClr val="accent6">
+                    <a:lumMod val="50000"/>
+                  </a:schemeClr>
+                </a:solidFill>
+                <a:latin typeface="Consolas" panose="020B0609020204030204" pitchFamily="49" charset="0"/>
                 <a:cs typeface="Courier New" panose="02070309020205020404" pitchFamily="49" charset="0"/>
               </a:rPr>
               <a:t>Math.random</a:t>
             </a:r>
             <a:r>
-              <a:rPr lang="en-US" b="1" dirty="0">
-                <a:solidFill>
-                  <a:schemeClr val="accent6">
-                    <a:lumMod val="50000"/>
-                  </a:schemeClr>
-                </a:solidFill>
-                <a:latin typeface="Courier New" panose="02070309020205020404" pitchFamily="49" charset="0"/>
+              <a:rPr lang="en-US" dirty="0">
+                <a:solidFill>
+                  <a:schemeClr val="accent6">
+                    <a:lumMod val="50000"/>
+                  </a:schemeClr>
+                </a:solidFill>
+                <a:latin typeface="Consolas" panose="020B0609020204030204" pitchFamily="49" charset="0"/>
                 <a:cs typeface="Courier New" panose="02070309020205020404" pitchFamily="49" charset="0"/>
               </a:rPr>
               <a:t>()*480),</a:t>
@@ -18196,61 +18231,61 @@
               <a:buNone/>
             </a:pPr>
             <a:r>
-              <a:rPr lang="en-US" b="1" dirty="0">
-                <a:solidFill>
-                  <a:schemeClr val="accent6">
-                    <a:lumMod val="50000"/>
-                  </a:schemeClr>
-                </a:solidFill>
-                <a:latin typeface="Courier New" panose="02070309020205020404" pitchFamily="49" charset="0"/>
+              <a:rPr lang="en-US" dirty="0">
+                <a:solidFill>
+                  <a:schemeClr val="accent6">
+                    <a:lumMod val="50000"/>
+                  </a:schemeClr>
+                </a:solidFill>
+                <a:latin typeface="Consolas" panose="020B0609020204030204" pitchFamily="49" charset="0"/>
                 <a:cs typeface="Courier New" panose="02070309020205020404" pitchFamily="49" charset="0"/>
               </a:rPr>
               <a:t>		left : </a:t>
             </a:r>
             <a:r>
-              <a:rPr lang="en-US" b="1" dirty="0" err="1">
-                <a:solidFill>
-                  <a:schemeClr val="accent6">
-                    <a:lumMod val="50000"/>
-                  </a:schemeClr>
-                </a:solidFill>
-                <a:latin typeface="Courier New" panose="02070309020205020404" pitchFamily="49" charset="0"/>
+              <a:rPr lang="en-US" dirty="0" err="1">
+                <a:solidFill>
+                  <a:schemeClr val="accent6">
+                    <a:lumMod val="50000"/>
+                  </a:schemeClr>
+                </a:solidFill>
+                <a:latin typeface="Consolas" panose="020B0609020204030204" pitchFamily="49" charset="0"/>
                 <a:cs typeface="Courier New" panose="02070309020205020404" pitchFamily="49" charset="0"/>
               </a:rPr>
               <a:t>Math.floor</a:t>
             </a:r>
             <a:r>
-              <a:rPr lang="en-US" b="1" dirty="0">
-                <a:solidFill>
-                  <a:schemeClr val="accent6">
-                    <a:lumMod val="50000"/>
-                  </a:schemeClr>
-                </a:solidFill>
-                <a:latin typeface="Courier New" panose="02070309020205020404" pitchFamily="49" charset="0"/>
+              <a:rPr lang="en-US" dirty="0">
+                <a:solidFill>
+                  <a:schemeClr val="accent6">
+                    <a:lumMod val="50000"/>
+                  </a:schemeClr>
+                </a:solidFill>
+                <a:latin typeface="Consolas" panose="020B0609020204030204" pitchFamily="49" charset="0"/>
                 <a:cs typeface="Courier New" panose="02070309020205020404" pitchFamily="49" charset="0"/>
               </a:rPr>
               <a:t>(</a:t>
             </a:r>
             <a:r>
-              <a:rPr lang="en-US" b="1" dirty="0" err="1">
-                <a:solidFill>
-                  <a:schemeClr val="accent6">
-                    <a:lumMod val="50000"/>
-                  </a:schemeClr>
-                </a:solidFill>
-                <a:latin typeface="Courier New" panose="02070309020205020404" pitchFamily="49" charset="0"/>
+              <a:rPr lang="en-US" dirty="0" err="1">
+                <a:solidFill>
+                  <a:schemeClr val="accent6">
+                    <a:lumMod val="50000"/>
+                  </a:schemeClr>
+                </a:solidFill>
+                <a:latin typeface="Consolas" panose="020B0609020204030204" pitchFamily="49" charset="0"/>
                 <a:cs typeface="Courier New" panose="02070309020205020404" pitchFamily="49" charset="0"/>
               </a:rPr>
               <a:t>Math.random</a:t>
             </a:r>
             <a:r>
-              <a:rPr lang="en-US" b="1" dirty="0">
-                <a:solidFill>
-                  <a:schemeClr val="accent6">
-                    <a:lumMod val="50000"/>
-                  </a:schemeClr>
-                </a:solidFill>
-                <a:latin typeface="Courier New" panose="02070309020205020404" pitchFamily="49" charset="0"/>
+              <a:rPr lang="en-US" dirty="0">
+                <a:solidFill>
+                  <a:schemeClr val="accent6">
+                    <a:lumMod val="50000"/>
+                  </a:schemeClr>
+                </a:solidFill>
+                <a:latin typeface="Consolas" panose="020B0609020204030204" pitchFamily="49" charset="0"/>
                 <a:cs typeface="Courier New" panose="02070309020205020404" pitchFamily="49" charset="0"/>
               </a:rPr>
               <a:t>()*640)</a:t>
@@ -18261,13 +18296,13 @@
               <a:buNone/>
             </a:pPr>
             <a:r>
-              <a:rPr lang="en-US" b="1" dirty="0">
-                <a:solidFill>
-                  <a:schemeClr val="accent6">
-                    <a:lumMod val="50000"/>
-                  </a:schemeClr>
-                </a:solidFill>
-                <a:latin typeface="Courier New" panose="02070309020205020404" pitchFamily="49" charset="0"/>
+              <a:rPr lang="en-US" dirty="0">
+                <a:solidFill>
+                  <a:schemeClr val="accent6">
+                    <a:lumMod val="50000"/>
+                  </a:schemeClr>
+                </a:solidFill>
+                <a:latin typeface="Consolas" panose="020B0609020204030204" pitchFamily="49" charset="0"/>
                 <a:cs typeface="Courier New" panose="02070309020205020404" pitchFamily="49" charset="0"/>
               </a:rPr>
               <a:t>	};</a:t>
@@ -18278,59 +18313,59 @@
               <a:buNone/>
             </a:pPr>
             <a:r>
-              <a:rPr lang="en-US" b="1" dirty="0">
-                <a:solidFill>
-                  <a:schemeClr val="accent6">
-                    <a:lumMod val="50000"/>
-                  </a:schemeClr>
-                </a:solidFill>
-                <a:latin typeface="Courier New" panose="02070309020205020404" pitchFamily="49" charset="0"/>
+              <a:rPr lang="en-US" dirty="0">
+                <a:solidFill>
+                  <a:schemeClr val="accent6">
+                    <a:lumMod val="50000"/>
+                  </a:schemeClr>
+                </a:solidFill>
+                <a:latin typeface="Consolas" panose="020B0609020204030204" pitchFamily="49" charset="0"/>
                 <a:cs typeface="Courier New" panose="02070309020205020404" pitchFamily="49" charset="0"/>
               </a:rPr>
               <a:t>	$('#</a:t>
             </a:r>
             <a:r>
-              <a:rPr lang="en-US" b="1" dirty="0">
+              <a:rPr lang="en-US" dirty="0">
                 <a:solidFill>
                   <a:schemeClr val="accent2"/>
                 </a:solidFill>
-                <a:latin typeface="Courier New" panose="02070309020205020404" pitchFamily="49" charset="0"/>
+                <a:latin typeface="Consolas" panose="020B0609020204030204" pitchFamily="49" charset="0"/>
                 <a:cs typeface="Courier New" panose="02070309020205020404" pitchFamily="49" charset="0"/>
               </a:rPr>
               <a:t>target</a:t>
             </a:r>
             <a:r>
-              <a:rPr lang="en-US" b="1" dirty="0">
-                <a:solidFill>
-                  <a:schemeClr val="accent6">
-                    <a:lumMod val="50000"/>
-                  </a:schemeClr>
-                </a:solidFill>
-                <a:latin typeface="Courier New" panose="02070309020205020404" pitchFamily="49" charset="0"/>
+              <a:rPr lang="en-US" dirty="0">
+                <a:solidFill>
+                  <a:schemeClr val="accent6">
+                    <a:lumMod val="50000"/>
+                  </a:schemeClr>
+                </a:solidFill>
+                <a:latin typeface="Consolas" panose="020B0609020204030204" pitchFamily="49" charset="0"/>
                 <a:cs typeface="Courier New" panose="02070309020205020404" pitchFamily="49" charset="0"/>
               </a:rPr>
               <a:t>').offset(</a:t>
             </a:r>
             <a:r>
-              <a:rPr lang="en-US" b="1" dirty="0" err="1">
+              <a:rPr lang="en-US" dirty="0" err="1">
                 <a:solidFill>
                   <a:schemeClr val="accent6">
                     <a:lumMod val="10000"/>
                   </a:schemeClr>
                 </a:solidFill>
-                <a:latin typeface="Courier New" panose="02070309020205020404" pitchFamily="49" charset="0"/>
+                <a:latin typeface="Consolas" panose="020B0609020204030204" pitchFamily="49" charset="0"/>
                 <a:cs typeface="Courier New" panose="02070309020205020404" pitchFamily="49" charset="0"/>
               </a:rPr>
               <a:t>mip</a:t>
             </a:r>
             <a:r>
-              <a:rPr lang="en-US" b="1" dirty="0">
-                <a:solidFill>
-                  <a:schemeClr val="accent6">
-                    <a:lumMod val="50000"/>
-                  </a:schemeClr>
-                </a:solidFill>
-                <a:latin typeface="Courier New" panose="02070309020205020404" pitchFamily="49" charset="0"/>
+              <a:rPr lang="en-US" dirty="0">
+                <a:solidFill>
+                  <a:schemeClr val="accent6">
+                    <a:lumMod val="50000"/>
+                  </a:schemeClr>
+                </a:solidFill>
+                <a:latin typeface="Consolas" panose="020B0609020204030204" pitchFamily="49" charset="0"/>
                 <a:cs typeface="Courier New" panose="02070309020205020404" pitchFamily="49" charset="0"/>
               </a:rPr>
               <a:t>);</a:t>
@@ -18341,48 +18376,48 @@
               <a:buNone/>
             </a:pPr>
             <a:r>
-              <a:rPr lang="en-US" b="1" dirty="0">
-                <a:solidFill>
-                  <a:schemeClr val="accent6">
-                    <a:lumMod val="50000"/>
-                  </a:schemeClr>
-                </a:solidFill>
-                <a:latin typeface="Courier New" panose="02070309020205020404" pitchFamily="49" charset="0"/>
+              <a:rPr lang="en-US" dirty="0">
+                <a:solidFill>
+                  <a:schemeClr val="accent6">
+                    <a:lumMod val="50000"/>
+                  </a:schemeClr>
+                </a:solidFill>
+                <a:latin typeface="Consolas" panose="020B0609020204030204" pitchFamily="49" charset="0"/>
                 <a:cs typeface="Courier New" panose="02070309020205020404" pitchFamily="49" charset="0"/>
               </a:rPr>
               <a:t>	</a:t>
             </a:r>
             <a:r>
-              <a:rPr lang="en-US" b="1" dirty="0">
+              <a:rPr lang="en-US" dirty="0">
                 <a:solidFill>
                   <a:schemeClr val="bg1">
                     <a:lumMod val="50000"/>
                   </a:schemeClr>
                 </a:solidFill>
-                <a:latin typeface="Courier New" panose="02070309020205020404" pitchFamily="49" charset="0"/>
+                <a:latin typeface="Consolas" panose="020B0609020204030204" pitchFamily="49" charset="0"/>
                 <a:cs typeface="Courier New" panose="02070309020205020404" pitchFamily="49" charset="0"/>
               </a:rPr>
               <a:t>// fin du code </a:t>
             </a:r>
             <a:r>
-              <a:rPr lang="en-US" b="1" dirty="0" err="1">
+              <a:rPr lang="en-US" dirty="0" err="1">
                 <a:solidFill>
                   <a:schemeClr val="bg1">
                     <a:lumMod val="50000"/>
                   </a:schemeClr>
                 </a:solidFill>
-                <a:latin typeface="Courier New" panose="02070309020205020404" pitchFamily="49" charset="0"/>
+                <a:latin typeface="Consolas" panose="020B0609020204030204" pitchFamily="49" charset="0"/>
                 <a:cs typeface="Courier New" panose="02070309020205020404" pitchFamily="49" charset="0"/>
               </a:rPr>
               <a:t>évènementiel</a:t>
             </a:r>
-            <a:endParaRPr lang="en-US" b="1" dirty="0">
+            <a:endParaRPr lang="en-US" dirty="0">
               <a:solidFill>
                 <a:schemeClr val="bg1">
                   <a:lumMod val="50000"/>
                 </a:schemeClr>
               </a:solidFill>
-              <a:latin typeface="Courier New" panose="02070309020205020404" pitchFamily="49" charset="0"/>
+              <a:latin typeface="Consolas" panose="020B0609020204030204" pitchFamily="49" charset="0"/>
               <a:cs typeface="Courier New" panose="02070309020205020404" pitchFamily="49" charset="0"/>
             </a:endParaRPr>
           </a:p>
@@ -18391,24 +18426,24 @@
               <a:buNone/>
             </a:pPr>
             <a:r>
-              <a:rPr lang="en-US" b="1" dirty="0">
-                <a:solidFill>
-                  <a:schemeClr val="accent6">
-                    <a:lumMod val="50000"/>
-                  </a:schemeClr>
-                </a:solidFill>
-                <a:latin typeface="Courier New" panose="02070309020205020404" pitchFamily="49" charset="0"/>
+              <a:rPr lang="en-US" dirty="0">
+                <a:solidFill>
+                  <a:schemeClr val="accent6">
+                    <a:lumMod val="50000"/>
+                  </a:schemeClr>
+                </a:solidFill>
+                <a:latin typeface="Consolas" panose="020B0609020204030204" pitchFamily="49" charset="0"/>
                 <a:cs typeface="Courier New" panose="02070309020205020404" pitchFamily="49" charset="0"/>
               </a:rPr>
               <a:t>});</a:t>
             </a:r>
-            <a:endParaRPr lang="fr-BE" b="1" dirty="0">
+            <a:endParaRPr lang="fr-BE" dirty="0">
               <a:solidFill>
                 <a:schemeClr val="accent6">
                   <a:lumMod val="50000"/>
                 </a:schemeClr>
               </a:solidFill>
-              <a:latin typeface="Courier New" panose="02070309020205020404" pitchFamily="49" charset="0"/>
+              <a:latin typeface="Consolas" panose="020B0609020204030204" pitchFamily="49" charset="0"/>
               <a:cs typeface="Courier New" panose="02070309020205020404" pitchFamily="49" charset="0"/>
             </a:endParaRPr>
           </a:p>
@@ -20727,6 +20762,13 @@
           </p:nvPr>
         </p:nvSpPr>
         <p:spPr/>
+        <p:txBody>
+          <a:bodyPr/>
+          <a:lstStyle/>
+          <a:p>
+            <a:endParaRPr lang="fr-BE"/>
+          </a:p>
+        </p:txBody>
       </p:sp>
       <p:pic>
         <p:nvPicPr>
@@ -23849,6 +23891,13 @@
           </p:nvPr>
         </p:nvSpPr>
         <p:spPr/>
+        <p:txBody>
+          <a:bodyPr/>
+          <a:lstStyle/>
+          <a:p>
+            <a:endParaRPr lang="fr-BE"/>
+          </a:p>
+        </p:txBody>
       </p:sp>
       <p:pic>
         <p:nvPicPr>
